--- a/doc/ZH/Nature的商业价值.pptx
+++ b/doc/ZH/Nature的商业价值.pptx
@@ -8,7 +8,7 @@
     <p:notesMasterId r:id="rId10"/>
   </p:notesMasterIdLst>
   <p:handoutMasterIdLst>
-    <p:handoutMasterId r:id="rId23"/>
+    <p:handoutMasterId r:id="rId27"/>
   </p:handoutMasterIdLst>
   <p:sldIdLst>
     <p:sldId id="6873" r:id="rId3"/>
@@ -24,17 +24,21 @@
     <p:sldId id="6884" r:id="rId14"/>
     <p:sldId id="6888" r:id="rId15"/>
     <p:sldId id="6889" r:id="rId16"/>
-    <p:sldId id="6891" r:id="rId17"/>
-    <p:sldId id="6890" r:id="rId18"/>
-    <p:sldId id="6894" r:id="rId19"/>
-    <p:sldId id="6892" r:id="rId20"/>
-    <p:sldId id="6895" r:id="rId21"/>
-    <p:sldId id="6893" r:id="rId22"/>
+    <p:sldId id="6903" r:id="rId17"/>
+    <p:sldId id="6904" r:id="rId18"/>
+    <p:sldId id="6891" r:id="rId19"/>
+    <p:sldId id="6890" r:id="rId20"/>
+    <p:sldId id="6894" r:id="rId21"/>
+    <p:sldId id="6898" r:id="rId22"/>
+    <p:sldId id="6895" r:id="rId23"/>
+    <p:sldId id="6892" r:id="rId24"/>
+    <p:sldId id="6902" r:id="rId25"/>
+    <p:sldId id="6893" r:id="rId26"/>
   </p:sldIdLst>
   <p:sldSz cx="12858750" cy="7232650"/>
   <p:notesSz cx="6858000" cy="9144000"/>
   <p:custDataLst>
-    <p:tags r:id="rId27"/>
+    <p:tags r:id="rId31"/>
   </p:custDataLst>
   <p:defaultTextStyle>
     <a:defPPr>
@@ -5851,7 +5855,6 @@
           <a:p>
             <a:r>
               <a:rPr lang="zh-CN" altLang="en-US" sz="3200">
-                <a:ln/>
                 <a:solidFill>
                   <a:schemeClr val="tx1"/>
                 </a:solidFill>
@@ -5868,7 +5871,6 @@
             </a:r>
             <a:r>
               <a:rPr lang="zh-CN" altLang="en-US" sz="3200">
-                <a:ln/>
                 <a:solidFill>
                   <a:srgbClr val="FF0000"/>
                 </a:solidFill>
@@ -5885,7 +5887,6 @@
             </a:r>
             <a:r>
               <a:rPr lang="zh-CN" altLang="en-US" sz="3200">
-                <a:ln/>
                 <a:solidFill>
                   <a:schemeClr val="tx1"/>
                 </a:solidFill>
@@ -5901,7 +5902,6 @@
               <a:t>的世界？</a:t>
             </a:r>
             <a:endParaRPr lang="zh-CN" altLang="en-US" sz="3200">
-              <a:ln/>
               <a:solidFill>
                 <a:schemeClr val="tx1"/>
               </a:solidFill>
@@ -7362,6 +7362,9 @@
           <a:p>
             <a:r>
               <a:rPr lang="zh-CN" altLang="zh-CN" b="1">
+                <a:solidFill>
+                  <a:srgbClr val="FF0000"/>
+                </a:solidFill>
                 <a:effectLst>
                   <a:outerShdw blurRad="38100" dist="19050" dir="2700000" algn="tl" rotWithShape="0">
                     <a:schemeClr val="dk1">
@@ -7496,7 +7499,7 @@
       <p:grpSpPr/>
       <p:sp>
         <p:nvSpPr>
-          <p:cNvPr id="4" name="Title 3"/>
+          <p:cNvPr id="2" name="Title 1"/>
           <p:cNvSpPr>
             <a:spLocks noGrp="1"/>
           </p:cNvSpPr>
@@ -7509,33 +7512,65 @@
           <a:bodyPr/>
           <a:p>
             <a:r>
-              <a:rPr lang="zh-CN" altLang="en-US" sz="6325">
+              <a:rPr lang="zh-CN" altLang="en-US"/>
+              <a:t>对</a:t>
+            </a:r>
+            <a:r>
+              <a:rPr lang="en-US" altLang="zh-CN"/>
+              <a:t>“</a:t>
+            </a:r>
+            <a:r>
+              <a:rPr lang="zh-CN" altLang="en-US">
                 <a:sym typeface="+mn-ea"/>
               </a:rPr>
-              <a:t>标准化</a:t>
-            </a:r>
-            <a:endParaRPr lang="en-US"/>
-          </a:p>
-        </p:txBody>
-      </p:sp>
-      <p:sp>
-        <p:nvSpPr>
-          <p:cNvPr id="5" name="Text Placeholder 4"/>
-          <p:cNvSpPr>
-            <a:spLocks noGrp="1"/>
-          </p:cNvSpPr>
-          <p:nvPr>
-            <p:ph type="body" idx="1"/>
-          </p:nvPr>
-        </p:nvSpPr>
-        <p:spPr/>
-        <p:txBody>
-          <a:bodyPr/>
-          <a:p>
-            <a:endParaRPr lang="en-US"/>
-          </a:p>
-        </p:txBody>
-      </p:sp>
+              <a:t>选择</a:t>
+            </a:r>
+            <a:r>
+              <a:rPr lang="en-US" altLang="zh-CN"/>
+              <a:t>”</a:t>
+            </a:r>
+            <a:r>
+              <a:rPr lang="zh-CN" altLang="en-US"/>
+              <a:t>的解释（</a:t>
+            </a:r>
+            <a:r>
+              <a:rPr lang="en-US" altLang="zh-CN"/>
+              <a:t>1</a:t>
+            </a:r>
+            <a:r>
+              <a:rPr lang="zh-CN" altLang="en-US"/>
+              <a:t>）</a:t>
+            </a:r>
+            <a:endParaRPr lang="zh-CN" altLang="en-US"/>
+          </a:p>
+        </p:txBody>
+      </p:sp>
+      <p:pic>
+        <p:nvPicPr>
+          <p:cNvPr id="5" name="Content Placeholder 4" descr="instance"/>
+          <p:cNvPicPr>
+            <a:picLocks noChangeAspect="1"/>
+          </p:cNvPicPr>
+          <p:nvPr>
+            <p:ph idx="1"/>
+          </p:nvPr>
+        </p:nvPicPr>
+        <p:blipFill>
+          <a:blip r:embed="rId1"/>
+          <a:stretch>
+            <a:fillRect/>
+          </a:stretch>
+        </p:blipFill>
+        <p:spPr>
+          <a:xfrm>
+            <a:off x="1749425" y="763270"/>
+            <a:ext cx="9128125" cy="6469380"/>
+          </a:xfrm>
+          <a:prstGeom prst="rect">
+            <a:avLst/>
+          </a:prstGeom>
+        </p:spPr>
+      </p:pic>
     </p:spTree>
   </p:cSld>
   <p:clrMapOvr>
@@ -7569,111 +7604,77 @@
           <a:bodyPr/>
           <a:p>
             <a:r>
-              <a:rPr lang="en-US"/>
-              <a:t>标准化</a:t>
+              <a:rPr lang="zh-CN" altLang="en-US">
+                <a:sym typeface="+mn-ea"/>
+              </a:rPr>
+              <a:t>对</a:t>
+            </a:r>
+            <a:r>
+              <a:rPr lang="en-US" altLang="zh-CN">
+                <a:sym typeface="+mn-ea"/>
+              </a:rPr>
+              <a:t>“</a:t>
+            </a:r>
+            <a:r>
+              <a:rPr lang="zh-CN" altLang="en-US">
+                <a:sym typeface="+mn-ea"/>
+              </a:rPr>
+              <a:t>选择</a:t>
+            </a:r>
+            <a:r>
+              <a:rPr lang="en-US" altLang="zh-CN">
+                <a:sym typeface="+mn-ea"/>
+              </a:rPr>
+              <a:t>”</a:t>
+            </a:r>
+            <a:r>
+              <a:rPr lang="zh-CN" altLang="en-US">
+                <a:sym typeface="+mn-ea"/>
+              </a:rPr>
+              <a:t>的解释（</a:t>
+            </a:r>
+            <a:r>
+              <a:rPr lang="en-US" altLang="zh-CN">
+                <a:sym typeface="+mn-ea"/>
+              </a:rPr>
+              <a:t>2</a:t>
+            </a:r>
+            <a:r>
+              <a:rPr lang="zh-CN" altLang="en-US">
+                <a:sym typeface="+mn-ea"/>
+              </a:rPr>
+              <a:t>）</a:t>
             </a:r>
             <a:endParaRPr lang="en-US"/>
           </a:p>
         </p:txBody>
       </p:sp>
-      <p:sp>
-        <p:nvSpPr>
-          <p:cNvPr id="3" name="Content Placeholder 2"/>
-          <p:cNvSpPr>
-            <a:spLocks noGrp="1"/>
-          </p:cNvSpPr>
+      <p:pic>
+        <p:nvPicPr>
+          <p:cNvPr id="11" name="Content Placeholder 10"/>
+          <p:cNvPicPr>
+            <a:picLocks noChangeAspect="1"/>
+          </p:cNvPicPr>
           <p:nvPr>
             <p:ph idx="1"/>
           </p:nvPr>
-        </p:nvSpPr>
-        <p:spPr/>
-        <p:txBody>
-          <a:bodyPr/>
-          <a:p>
-            <a:r>
-              <a:rPr lang="en-US"/>
-              <a:t>决策的标准化</a:t>
-            </a:r>
-            <a:endParaRPr lang="en-US"/>
-          </a:p>
-          <a:p>
-            <a:pPr lvl="1"/>
-            <a:r>
-              <a:rPr lang="zh-CN" altLang="en-US" sz="2955"/>
-              <a:t>数据定义就是决策定义。</a:t>
-            </a:r>
-            <a:r>
-              <a:rPr lang="en-US" altLang="zh-CN" sz="2955"/>
-              <a:t>Nature </a:t>
-            </a:r>
-            <a:r>
-              <a:rPr lang="zh-CN" altLang="en-US" sz="2955"/>
-              <a:t>用</a:t>
-            </a:r>
-            <a:r>
-              <a:rPr lang="zh-CN" altLang="en-US" sz="2950">
-                <a:sym typeface="+mn-ea"/>
-              </a:rPr>
-              <a:t>统一的</a:t>
-            </a:r>
-            <a:r>
-              <a:rPr lang="zh-CN" altLang="en-US" sz="2955"/>
-              <a:t>形式对数据进行集中定义</a:t>
-            </a:r>
-            <a:r>
-              <a:rPr lang="zh-CN" altLang="en-US" sz="2955"/>
-              <a:t>和管理，可以用标准化方式</a:t>
-            </a:r>
-            <a:r>
-              <a:rPr lang="zh-CN" altLang="en-US" sz="2955"/>
-              <a:t>来快速响应</a:t>
-            </a:r>
-            <a:r>
-              <a:rPr lang="zh-CN" altLang="en-US" sz="2955"/>
-              <a:t>需求。</a:t>
-            </a:r>
-            <a:endParaRPr lang="en-US"/>
-          </a:p>
-          <a:p>
-            <a:r>
-              <a:rPr lang="en-US"/>
-              <a:t>执行标准化</a:t>
-            </a:r>
-            <a:endParaRPr lang="en-US"/>
-          </a:p>
-          <a:p>
-            <a:pPr lvl="1"/>
-            <a:r>
-              <a:rPr lang="zh-CN" altLang="en-US" sz="2955"/>
-              <a:t>简化并统一了接口，去除了业务间的耦合，使得功能以标准化的方式快速构建成为</a:t>
-            </a:r>
-            <a:r>
-              <a:rPr lang="zh-CN" altLang="en-US" sz="2955"/>
-              <a:t>可能。</a:t>
-            </a:r>
-            <a:endParaRPr lang="en-US"/>
-          </a:p>
-          <a:p>
-            <a:r>
-              <a:rPr lang="en-US"/>
-              <a:t>数据规范和纯化</a:t>
-            </a:r>
-            <a:endParaRPr lang="en-US"/>
-          </a:p>
-          <a:p>
-            <a:pPr lvl="1"/>
-            <a:r>
-              <a:rPr lang="zh-CN" altLang="en-US"/>
-              <a:t>解决了传统模式下业务数据、控制数据、临时数据混杂在一起的</a:t>
-            </a:r>
-            <a:r>
-              <a:rPr lang="zh-CN" altLang="en-US"/>
-              <a:t>问题。</a:t>
-            </a:r>
-            <a:endParaRPr lang="zh-CN" altLang="en-US"/>
-          </a:p>
-        </p:txBody>
-      </p:sp>
+        </p:nvPicPr>
+        <p:blipFill>
+          <a:blip r:embed="rId1"/>
+          <a:stretch>
+            <a:fillRect/>
+          </a:stretch>
+        </p:blipFill>
+        <p:spPr>
+          <a:xfrm>
+            <a:off x="1892935" y="735965"/>
+            <a:ext cx="8698865" cy="6422390"/>
+          </a:xfrm>
+          <a:prstGeom prst="rect">
+            <a:avLst/>
+          </a:prstGeom>
+        </p:spPr>
+      </p:pic>
     </p:spTree>
   </p:cSld>
   <p:clrMapOvr>
@@ -7694,7 +7695,7 @@
       <p:grpSpPr/>
       <p:sp>
         <p:nvSpPr>
-          <p:cNvPr id="2" name="Title 1"/>
+          <p:cNvPr id="4" name="Title 3"/>
           <p:cNvSpPr>
             <a:spLocks noGrp="1"/>
           </p:cNvSpPr>
@@ -7707,24 +7708,18 @@
           <a:bodyPr/>
           <a:p>
             <a:r>
-              <a:rPr lang="en-US" altLang="zh-CN">
+              <a:rPr lang="zh-CN" altLang="en-US" sz="6325">
                 <a:sym typeface="+mn-ea"/>
               </a:rPr>
-              <a:t>Nature </a:t>
-            </a:r>
-            <a:r>
-              <a:rPr lang="zh-CN" altLang="en-US">
+              <a:t>延伸</a:t>
+            </a:r>
+            <a:r>
+              <a:rPr lang="zh-CN" altLang="en-US" sz="6325">
                 <a:sym typeface="+mn-ea"/>
               </a:rPr>
-              <a:t>做的</a:t>
-            </a:r>
-            <a:r>
-              <a:rPr lang="zh-CN" altLang="en-US">
-                <a:sym typeface="+mn-ea"/>
-              </a:rPr>
-              <a:t>更多</a:t>
-            </a:r>
-            <a:endParaRPr lang="zh-CN" altLang="en-US">
+              <a:t>价值</a:t>
+            </a:r>
+            <a:endParaRPr lang="zh-CN" altLang="en-US" sz="6325">
               <a:sym typeface="+mn-ea"/>
             </a:endParaRPr>
           </a:p>
@@ -7732,241 +7727,19 @@
       </p:sp>
       <p:sp>
         <p:nvSpPr>
-          <p:cNvPr id="3" name="Content Placeholder 2"/>
+          <p:cNvPr id="5" name="Text Placeholder 4"/>
           <p:cNvSpPr>
             <a:spLocks noGrp="1"/>
           </p:cNvSpPr>
           <p:nvPr>
-            <p:ph idx="1"/>
-          </p:nvPr>
-        </p:nvSpPr>
-        <p:spPr>
-          <a:xfrm>
-            <a:off x="643255" y="1238885"/>
-            <a:ext cx="11572875" cy="4493895"/>
-          </a:xfrm>
-        </p:spPr>
+            <p:ph type="body" idx="1"/>
+          </p:nvPr>
+        </p:nvSpPr>
+        <p:spPr/>
         <p:txBody>
           <a:bodyPr/>
           <a:p>
-            <a:r>
-              <a:rPr lang="zh-CN" altLang="en-US">
-                <a:sym typeface="+mn-ea"/>
-              </a:rPr>
-              <a:t>实现了下面的非功能性逻辑</a:t>
-            </a:r>
-            <a:endParaRPr lang="zh-CN" altLang="en-US"/>
-          </a:p>
-          <a:p>
-            <a:pPr lvl="1"/>
-            <a:r>
-              <a:rPr lang="zh-CN" altLang="en-US"/>
-              <a:t>重试、并发冲突、幂等、数据最终一致性、异步回调、延时</a:t>
-            </a:r>
-            <a:r>
-              <a:rPr lang="zh-CN" altLang="en-US"/>
-              <a:t>处理、定时调度</a:t>
-            </a:r>
-            <a:r>
-              <a:rPr lang="en-US" altLang="zh-CN"/>
-              <a:t>...</a:t>
-            </a:r>
-            <a:endParaRPr lang="zh-CN" altLang="en-US"/>
-          </a:p>
-          <a:p>
-            <a:pPr lvl="0"/>
-            <a:r>
-              <a:rPr lang="zh-CN" altLang="en-US">
-                <a:sym typeface="+mn-ea"/>
-              </a:rPr>
-              <a:t>辅助</a:t>
-            </a:r>
-            <a:r>
-              <a:rPr lang="zh-CN" altLang="en-US"/>
-              <a:t>功能</a:t>
-            </a:r>
-            <a:endParaRPr lang="zh-CN" altLang="en-US"/>
-          </a:p>
-          <a:p>
-            <a:pPr lvl="1"/>
-            <a:r>
-              <a:rPr lang="zh-CN" altLang="en-US" sz="2950">
-                <a:sym typeface="+mn-ea"/>
-              </a:rPr>
-              <a:t>数据版本化处理（数据只增加，不改，不</a:t>
-            </a:r>
-            <a:r>
-              <a:rPr lang="zh-CN" altLang="en-US" sz="2950">
-                <a:sym typeface="+mn-ea"/>
-              </a:rPr>
-              <a:t>删）</a:t>
-            </a:r>
-            <a:endParaRPr lang="zh-CN" altLang="en-US" sz="2950">
-              <a:sym typeface="+mn-ea"/>
-            </a:endParaRPr>
-          </a:p>
-          <a:p>
-            <a:pPr lvl="1"/>
-            <a:r>
-              <a:rPr lang="zh-CN" altLang="en-US" sz="2950">
-                <a:sym typeface="+mn-ea"/>
-              </a:rPr>
-              <a:t>数据参数化处理（与外部数据友好</a:t>
-            </a:r>
-            <a:r>
-              <a:rPr lang="zh-CN" altLang="en-US" sz="2950">
-                <a:sym typeface="+mn-ea"/>
-              </a:rPr>
-              <a:t>对接）</a:t>
-            </a:r>
-            <a:endParaRPr lang="zh-CN" altLang="en-US" sz="2950">
-              <a:sym typeface="+mn-ea"/>
-            </a:endParaRPr>
-          </a:p>
-          <a:p>
-            <a:pPr lvl="1"/>
-            <a:r>
-              <a:rPr lang="zh-CN" altLang="en-US" sz="2950">
-                <a:sym typeface="+mn-ea"/>
-              </a:rPr>
-              <a:t>数据链路追踪</a:t>
-            </a:r>
-            <a:endParaRPr lang="zh-CN" altLang="en-US" sz="2950">
-              <a:sym typeface="+mn-ea"/>
-            </a:endParaRPr>
-          </a:p>
-          <a:p>
-            <a:pPr lvl="1"/>
-            <a:r>
-              <a:rPr lang="zh-CN" altLang="en-US" sz="2950">
-                <a:sym typeface="+mn-ea"/>
-              </a:rPr>
-              <a:t>上下文、过滤器、</a:t>
-            </a:r>
-            <a:r>
-              <a:rPr lang="zh-CN" altLang="en-US"/>
-              <a:t>状态处理</a:t>
-            </a:r>
-            <a:r>
-              <a:rPr lang="en-US" altLang="zh-CN"/>
-              <a:t>...</a:t>
-            </a:r>
-            <a:endParaRPr lang="en-US" altLang="zh-CN"/>
-          </a:p>
-        </p:txBody>
-      </p:sp>
-      <p:sp>
-        <p:nvSpPr>
-          <p:cNvPr id="45" name="Rectangles 44"/>
-          <p:cNvSpPr/>
-          <p:nvPr/>
-        </p:nvSpPr>
-        <p:spPr>
-          <a:xfrm>
-            <a:off x="308293" y="6064250"/>
-            <a:ext cx="12018645" cy="768350"/>
-          </a:xfrm>
-          <a:prstGeom prst="rect">
-            <a:avLst/>
-          </a:prstGeom>
-          <a:noFill/>
-          <a:ln>
-            <a:noFill/>
-          </a:ln>
-        </p:spPr>
-        <p:txBody>
-          <a:bodyPr wrap="none" rtlCol="0" anchor="t">
-            <a:spAutoFit/>
-          </a:bodyPr>
-          <a:p>
-            <a:pPr algn="ctr"/>
-            <a:r>
-              <a:rPr lang="zh-CN" altLang="en-US" sz="4400" b="1">
-                <a:solidFill>
-                  <a:schemeClr val="tx1"/>
-                </a:solidFill>
-                <a:effectLst>
-                  <a:outerShdw blurRad="38100" dist="19050" dir="2700000" algn="tl" rotWithShape="0">
-                    <a:schemeClr val="dk1">
-                      <a:alpha val="40000"/>
-                    </a:schemeClr>
-                  </a:outerShdw>
-                </a:effectLst>
-              </a:rPr>
-              <a:t>因为标准化了，</a:t>
-            </a:r>
-            <a:r>
-              <a:rPr lang="en-US" altLang="zh-CN" sz="4400" b="1">
-                <a:solidFill>
-                  <a:schemeClr val="tx1"/>
-                </a:solidFill>
-                <a:effectLst>
-                  <a:outerShdw blurRad="38100" dist="19050" dir="2700000" algn="tl" rotWithShape="0">
-                    <a:schemeClr val="dk1">
-                      <a:alpha val="40000"/>
-                    </a:schemeClr>
-                  </a:outerShdw>
-                </a:effectLst>
-              </a:rPr>
-              <a:t>Nature </a:t>
-            </a:r>
-            <a:r>
-              <a:rPr lang="zh-CN" altLang="en-US" sz="4400" b="1">
-                <a:solidFill>
-                  <a:schemeClr val="tx1"/>
-                </a:solidFill>
-                <a:effectLst>
-                  <a:outerShdw blurRad="38100" dist="19050" dir="2700000" algn="tl" rotWithShape="0">
-                    <a:schemeClr val="dk1">
-                      <a:alpha val="40000"/>
-                    </a:schemeClr>
-                  </a:outerShdw>
-                </a:effectLst>
-              </a:rPr>
-              <a:t>具有统一更多</a:t>
-            </a:r>
-            <a:r>
-              <a:rPr lang="zh-CN" altLang="en-US" sz="4400" b="1">
-                <a:solidFill>
-                  <a:schemeClr val="tx1"/>
-                </a:solidFill>
-                <a:effectLst>
-                  <a:outerShdw blurRad="38100" dist="19050" dir="2700000" algn="tl" rotWithShape="0">
-                    <a:schemeClr val="dk1">
-                      <a:alpha val="40000"/>
-                    </a:schemeClr>
-                  </a:outerShdw>
-                </a:effectLst>
-              </a:rPr>
-              <a:t>能力的</a:t>
-            </a:r>
-            <a:r>
-              <a:rPr lang="zh-CN" altLang="en-US" sz="4400" b="1">
-                <a:solidFill>
-                  <a:srgbClr val="FF0000"/>
-                </a:solidFill>
-                <a:effectLst>
-                  <a:outerShdw blurRad="38100" dist="19050" dir="2700000" algn="tl" rotWithShape="0">
-                    <a:schemeClr val="dk1">
-                      <a:alpha val="40000"/>
-                    </a:schemeClr>
-                  </a:outerShdw>
-                </a:effectLst>
-              </a:rPr>
-              <a:t>潜力</a:t>
-            </a:r>
-            <a:endParaRPr lang="zh-CN" altLang="en-US" sz="4400" b="1">
-              <a:solidFill>
-                <a:srgbClr val="FF0000"/>
-              </a:solidFill>
-              <a:effectLst>
-                <a:outerShdw blurRad="38100" dist="19050" dir="2700000" algn="tl" rotWithShape="0">
-                  <a:schemeClr val="dk1">
-                    <a:alpha val="40000"/>
-                  </a:schemeClr>
-                </a:outerShdw>
-              </a:effectLst>
-            </a:endParaRPr>
+            <a:endParaRPr lang="en-US"/>
           </a:p>
         </p:txBody>
       </p:sp>
@@ -7990,7 +7763,7 @@
       <p:grpSpPr/>
       <p:sp>
         <p:nvSpPr>
-          <p:cNvPr id="4" name="Title 3"/>
+          <p:cNvPr id="2" name="Title 1"/>
           <p:cNvSpPr>
             <a:spLocks noGrp="1"/>
           </p:cNvSpPr>
@@ -8003,38 +7776,112 @@
           <a:bodyPr/>
           <a:p>
             <a:r>
-              <a:rPr lang="en-US" altLang="zh-CN" sz="6325">
-                <a:sym typeface="+mn-ea"/>
-              </a:rPr>
-              <a:t>Nature </a:t>
-            </a:r>
-            <a:r>
-              <a:rPr lang="zh-CN" altLang="en-US" sz="6325">
-                <a:sym typeface="+mn-ea"/>
-              </a:rPr>
-              <a:t>项目</a:t>
-            </a:r>
-            <a:endParaRPr lang="zh-CN" altLang="en-US" sz="6325">
-              <a:sym typeface="+mn-ea"/>
-            </a:endParaRPr>
-          </a:p>
-        </p:txBody>
-      </p:sp>
-      <p:sp>
-        <p:nvSpPr>
-          <p:cNvPr id="5" name="Text Placeholder 4"/>
+              <a:rPr lang="zh-CN" altLang="en-US"/>
+              <a:t>促进</a:t>
+            </a:r>
+            <a:r>
+              <a:rPr lang="en-US"/>
+              <a:t>标准化</a:t>
+            </a:r>
+            <a:endParaRPr lang="en-US"/>
+          </a:p>
+        </p:txBody>
+      </p:sp>
+      <p:sp>
+        <p:nvSpPr>
+          <p:cNvPr id="3" name="Content Placeholder 2"/>
           <p:cNvSpPr>
             <a:spLocks noGrp="1"/>
           </p:cNvSpPr>
           <p:nvPr>
-            <p:ph type="body" idx="1"/>
+            <p:ph idx="1"/>
           </p:nvPr>
         </p:nvSpPr>
         <p:spPr/>
         <p:txBody>
           <a:bodyPr/>
           <a:p>
+            <a:r>
+              <a:rPr lang="en-US"/>
+              <a:t>决策的标准化</a:t>
+            </a:r>
             <a:endParaRPr lang="en-US"/>
+          </a:p>
+          <a:p>
+            <a:pPr lvl="1"/>
+            <a:r>
+              <a:rPr lang="zh-CN" altLang="en-US" sz="2955"/>
+              <a:t>数据定义就是决策定义。</a:t>
+            </a:r>
+            <a:r>
+              <a:rPr lang="en-US" altLang="zh-CN" sz="2955"/>
+              <a:t>Nature </a:t>
+            </a:r>
+            <a:r>
+              <a:rPr lang="zh-CN" altLang="en-US" sz="2955"/>
+              <a:t>用</a:t>
+            </a:r>
+            <a:r>
+              <a:rPr lang="zh-CN" altLang="en-US" sz="2950">
+                <a:sym typeface="+mn-ea"/>
+              </a:rPr>
+              <a:t>统一的</a:t>
+            </a:r>
+            <a:r>
+              <a:rPr lang="zh-CN" altLang="en-US" sz="2955"/>
+              <a:t>形式对数据进行集中定义</a:t>
+            </a:r>
+            <a:r>
+              <a:rPr lang="zh-CN" altLang="en-US" sz="2955"/>
+              <a:t>和管理，可以用标准化方式</a:t>
+            </a:r>
+            <a:r>
+              <a:rPr lang="zh-CN" altLang="en-US" sz="2955"/>
+              <a:t>来快速响应</a:t>
+            </a:r>
+            <a:r>
+              <a:rPr lang="zh-CN" altLang="en-US" sz="2955"/>
+              <a:t>需求。</a:t>
+            </a:r>
+            <a:endParaRPr lang="en-US"/>
+          </a:p>
+          <a:p>
+            <a:r>
+              <a:rPr lang="en-US"/>
+              <a:t>执行标准化</a:t>
+            </a:r>
+            <a:endParaRPr lang="en-US"/>
+          </a:p>
+          <a:p>
+            <a:pPr lvl="1"/>
+            <a:r>
+              <a:rPr lang="zh-CN" altLang="en-US" sz="2955"/>
+              <a:t>简化并统一了接口，去除了业务间的耦合，使得功能以标准化的方式快速构建成为</a:t>
+            </a:r>
+            <a:r>
+              <a:rPr lang="zh-CN" altLang="en-US" sz="2955"/>
+              <a:t>可能。</a:t>
+            </a:r>
+            <a:endParaRPr lang="en-US"/>
+          </a:p>
+          <a:p>
+            <a:r>
+              <a:rPr lang="en-US"/>
+              <a:t>数据规范和纯化</a:t>
+            </a:r>
+            <a:endParaRPr lang="en-US"/>
+          </a:p>
+          <a:p>
+            <a:pPr lvl="1"/>
+            <a:r>
+              <a:rPr lang="zh-CN" altLang="en-US"/>
+              <a:t>解决了传统模式下业务数据、控制数据、临时数据混杂在一起的</a:t>
+            </a:r>
+            <a:r>
+              <a:rPr lang="zh-CN" altLang="en-US"/>
+              <a:t>问题。</a:t>
+            </a:r>
+            <a:endParaRPr lang="zh-CN" altLang="en-US"/>
           </a:p>
         </p:txBody>
       </p:sp>
@@ -8071,135 +7918,146 @@
           <a:bodyPr/>
           <a:p>
             <a:r>
-              <a:rPr lang="zh-CN" altLang="en-US"/>
-              <a:t>新体系下的职责</a:t>
-            </a:r>
-            <a:r>
-              <a:rPr lang="zh-CN" altLang="en-US"/>
-              <a:t>分布</a:t>
-            </a:r>
-            <a:endParaRPr lang="zh-CN" altLang="en-US"/>
-          </a:p>
-        </p:txBody>
-      </p:sp>
-      <p:sp>
-        <p:nvSpPr>
-          <p:cNvPr id="4" name="Content Placeholder 3"/>
+              <a:rPr lang="en-US" altLang="zh-CN">
+                <a:sym typeface="+mn-ea"/>
+              </a:rPr>
+              <a:t>Nature </a:t>
+            </a:r>
+            <a:r>
+              <a:rPr lang="zh-CN" altLang="en-US">
+                <a:sym typeface="+mn-ea"/>
+              </a:rPr>
+              <a:t>做的</a:t>
+            </a:r>
+            <a:r>
+              <a:rPr lang="zh-CN" altLang="en-US">
+                <a:sym typeface="+mn-ea"/>
+              </a:rPr>
+              <a:t>更多</a:t>
+            </a:r>
+            <a:endParaRPr lang="zh-CN" altLang="en-US">
+              <a:sym typeface="+mn-ea"/>
+            </a:endParaRPr>
+          </a:p>
+        </p:txBody>
+      </p:sp>
+      <p:sp>
+        <p:nvSpPr>
+          <p:cNvPr id="3" name="Content Placeholder 2"/>
           <p:cNvSpPr>
             <a:spLocks noGrp="1"/>
           </p:cNvSpPr>
           <p:nvPr>
-            <p:ph sz="half" idx="1"/>
+            <p:ph idx="1"/>
           </p:nvPr>
         </p:nvSpPr>
         <p:spPr>
           <a:xfrm>
             <a:off x="643255" y="1238885"/>
-            <a:ext cx="5679440" cy="2766060"/>
+            <a:ext cx="11572875" cy="4493895"/>
           </a:xfrm>
         </p:spPr>
         <p:txBody>
           <a:bodyPr/>
           <a:p>
             <a:r>
-              <a:rPr lang="en-US"/>
-              <a:t>Nature</a:t>
-            </a:r>
-            <a:endParaRPr lang="en-US"/>
+              <a:rPr lang="zh-CN" altLang="en-US">
+                <a:sym typeface="+mn-ea"/>
+              </a:rPr>
+              <a:t>实现了下面的非功能性逻辑</a:t>
+            </a:r>
+            <a:endParaRPr lang="zh-CN" altLang="en-US"/>
           </a:p>
           <a:p>
             <a:pPr lvl="1"/>
             <a:r>
               <a:rPr lang="zh-CN" altLang="en-US"/>
-              <a:t>业务流程</a:t>
+              <a:t>重试、并发冲突、幂等、数据最终一致性、异步回调、延时</a:t>
             </a:r>
             <a:r>
               <a:rPr lang="zh-CN" altLang="en-US"/>
-              <a:t>编排</a:t>
+              <a:t>处理、定时调度</a:t>
+            </a:r>
+            <a:r>
+              <a:rPr lang="en-US" altLang="zh-CN"/>
+              <a:t>...</a:t>
             </a:r>
             <a:endParaRPr lang="zh-CN" altLang="en-US"/>
           </a:p>
           <a:p>
+            <a:pPr lvl="0"/>
+            <a:r>
+              <a:rPr lang="zh-CN" altLang="en-US">
+                <a:sym typeface="+mn-ea"/>
+              </a:rPr>
+              <a:t>辅助</a:t>
+            </a:r>
+            <a:r>
+              <a:rPr lang="zh-CN" altLang="en-US"/>
+              <a:t>功能</a:t>
+            </a:r>
+            <a:endParaRPr lang="zh-CN" altLang="en-US"/>
+          </a:p>
+          <a:p>
             <a:pPr lvl="1"/>
             <a:r>
+              <a:rPr lang="zh-CN" altLang="en-US" sz="2950">
+                <a:sym typeface="+mn-ea"/>
+              </a:rPr>
+              <a:t>数据版本化处理（数据只增加，不改，不</a:t>
+            </a:r>
+            <a:r>
+              <a:rPr lang="zh-CN" altLang="en-US" sz="2950">
+                <a:sym typeface="+mn-ea"/>
+              </a:rPr>
+              <a:t>删）</a:t>
+            </a:r>
+            <a:endParaRPr lang="zh-CN" altLang="en-US" sz="2950">
+              <a:sym typeface="+mn-ea"/>
+            </a:endParaRPr>
+          </a:p>
+          <a:p>
+            <a:pPr lvl="1"/>
+            <a:r>
+              <a:rPr lang="zh-CN" altLang="en-US" sz="2950">
+                <a:sym typeface="+mn-ea"/>
+              </a:rPr>
+              <a:t>数据参数化处理（与外部数据友好</a:t>
+            </a:r>
+            <a:r>
+              <a:rPr lang="zh-CN" altLang="en-US" sz="2950">
+                <a:sym typeface="+mn-ea"/>
+              </a:rPr>
+              <a:t>对接）</a:t>
+            </a:r>
+            <a:endParaRPr lang="zh-CN" altLang="en-US" sz="2950">
+              <a:sym typeface="+mn-ea"/>
+            </a:endParaRPr>
+          </a:p>
+          <a:p>
+            <a:pPr lvl="1"/>
+            <a:r>
+              <a:rPr lang="zh-CN" altLang="en-US" sz="2950">
+                <a:sym typeface="+mn-ea"/>
+              </a:rPr>
+              <a:t>数据链路追踪</a:t>
+            </a:r>
+            <a:endParaRPr lang="zh-CN" altLang="en-US" sz="2950">
+              <a:sym typeface="+mn-ea"/>
+            </a:endParaRPr>
+          </a:p>
+          <a:p>
+            <a:pPr lvl="1"/>
+            <a:r>
+              <a:rPr lang="zh-CN" altLang="en-US" sz="2950">
+                <a:sym typeface="+mn-ea"/>
+              </a:rPr>
+              <a:t>上下文、过滤器、</a:t>
+            </a:r>
+            <a:r>
               <a:rPr lang="zh-CN" altLang="en-US"/>
-              <a:t>非功能性需求（性能、数据一致性</a:t>
-            </a:r>
-            <a:r>
-              <a:rPr lang="zh-CN" altLang="en-US"/>
-              <a:t>等）</a:t>
-            </a:r>
-            <a:endParaRPr lang="zh-CN" altLang="en-US"/>
-          </a:p>
-          <a:p>
-            <a:pPr lvl="1"/>
-            <a:r>
-              <a:rPr lang="zh-CN" altLang="en-US"/>
-              <a:t>部分功能性</a:t>
-            </a:r>
-            <a:r>
-              <a:rPr lang="zh-CN" altLang="en-US"/>
-              <a:t>需求</a:t>
-            </a:r>
-            <a:endParaRPr lang="zh-CN" altLang="en-US"/>
-          </a:p>
-        </p:txBody>
-      </p:sp>
-      <p:sp>
-        <p:nvSpPr>
-          <p:cNvPr id="5" name="Content Placeholder 4"/>
-          <p:cNvSpPr>
-            <a:spLocks noGrp="1"/>
-          </p:cNvSpPr>
-          <p:nvPr>
-            <p:ph sz="half" idx="2"/>
-          </p:nvPr>
-        </p:nvSpPr>
-        <p:spPr>
-          <a:xfrm>
-            <a:off x="6536690" y="1238885"/>
-            <a:ext cx="5679440" cy="2765425"/>
-          </a:xfrm>
-        </p:spPr>
-        <p:txBody>
-          <a:bodyPr/>
-          <a:p>
-            <a:r>
-              <a:rPr lang="zh-CN" altLang="en-US"/>
-              <a:t>业务</a:t>
-            </a:r>
-            <a:r>
-              <a:rPr lang="zh-CN" altLang="en-US"/>
-              <a:t>系统</a:t>
-            </a:r>
-            <a:endParaRPr lang="zh-CN" altLang="en-US"/>
-          </a:p>
-          <a:p>
-            <a:pPr lvl="1"/>
-            <a:r>
-              <a:rPr lang="zh-CN" altLang="en-US"/>
-              <a:t>数据</a:t>
-            </a:r>
-            <a:r>
-              <a:rPr lang="zh-CN" altLang="en-US"/>
-              <a:t>转换器</a:t>
-            </a:r>
-            <a:endParaRPr lang="zh-CN" altLang="en-US"/>
-          </a:p>
-          <a:p>
-            <a:pPr lvl="1"/>
-            <a:r>
-              <a:rPr lang="zh-CN" altLang="en-US"/>
-              <a:t>特殊</a:t>
-            </a:r>
-            <a:r>
-              <a:rPr lang="zh-CN" altLang="en-US"/>
-              <a:t>算法</a:t>
-            </a:r>
-            <a:endParaRPr lang="zh-CN" altLang="en-US"/>
-          </a:p>
-          <a:p>
-            <a:pPr lvl="1"/>
+              <a:t>状态处理</a:t>
+            </a:r>
             <a:r>
               <a:rPr lang="en-US" altLang="zh-CN"/>
               <a:t>...</a:t>
@@ -8216,8 +8074,8 @@
         </p:nvSpPr>
         <p:spPr>
           <a:xfrm>
-            <a:off x="2900681" y="5128260"/>
-            <a:ext cx="6357620" cy="1445260"/>
+            <a:off x="308293" y="6064250"/>
+            <a:ext cx="12018645" cy="768350"/>
           </a:xfrm>
           <a:prstGeom prst="rect">
             <a:avLst/>
@@ -8246,7 +8104,52 @@
                   </a:outerShdw>
                 </a:effectLst>
               </a:rPr>
-              <a:t>程序员的工作将大为</a:t>
+              <a:t>因为标准化了，</a:t>
+            </a:r>
+            <a:r>
+              <a:rPr lang="en-US" altLang="zh-CN" sz="4400" b="1">
+                <a:solidFill>
+                  <a:schemeClr val="tx1"/>
+                </a:solidFill>
+                <a:effectLst>
+                  <a:outerShdw blurRad="38100" dist="19050" dir="2700000" algn="tl" rotWithShape="0">
+                    <a:schemeClr val="dk1">
+                      <a:alpha val="40000"/>
+                    </a:schemeClr>
+                  </a:outerShdw>
+                </a:effectLst>
+              </a:rPr>
+              <a:t>Nature </a:t>
+            </a:r>
+            <a:r>
+              <a:rPr lang="zh-CN" altLang="en-US" sz="4400" b="1">
+                <a:solidFill>
+                  <a:schemeClr val="tx1"/>
+                </a:solidFill>
+                <a:effectLst>
+                  <a:outerShdw blurRad="38100" dist="19050" dir="2700000" algn="tl" rotWithShape="0">
+                    <a:schemeClr val="dk1">
+                      <a:alpha val="40000"/>
+                    </a:schemeClr>
+                  </a:outerShdw>
+                </a:effectLst>
+              </a:rPr>
+              <a:t>具有统一更多</a:t>
+            </a:r>
+            <a:r>
+              <a:rPr lang="zh-CN" altLang="en-US" sz="4400" b="1">
+                <a:solidFill>
+                  <a:schemeClr val="tx1"/>
+                </a:solidFill>
+                <a:effectLst>
+                  <a:outerShdw blurRad="38100" dist="19050" dir="2700000" algn="tl" rotWithShape="0">
+                    <a:schemeClr val="dk1">
+                      <a:alpha val="40000"/>
+                    </a:schemeClr>
+                  </a:outerShdw>
+                </a:effectLst>
+              </a:rPr>
+              <a:t>能力的</a:t>
             </a:r>
             <a:r>
               <a:rPr lang="zh-CN" altLang="en-US" sz="4400" b="1">
@@ -8261,52 +8164,7 @@
                   </a:outerShdw>
                 </a:effectLst>
               </a:rPr>
-              <a:t>简化</a:t>
-            </a:r>
-            <a:endParaRPr lang="zh-CN" altLang="en-US" sz="4400" b="1">
-              <a:solidFill>
-                <a:schemeClr val="tx1"/>
-              </a:solidFill>
-              <a:effectLst>
-                <a:outerShdw blurRad="38100" dist="19050" dir="2700000" algn="tl" rotWithShape="0">
-                  <a:schemeClr val="dk1">
-                    <a:alpha val="40000"/>
-                  </a:schemeClr>
-                </a:outerShdw>
-              </a:effectLst>
-            </a:endParaRPr>
-          </a:p>
-          <a:p>
-            <a:pPr algn="ctr"/>
-            <a:r>
-              <a:rPr lang="zh-CN" altLang="en-US" sz="4400" b="1">
-                <a:solidFill>
-                  <a:schemeClr val="tx1"/>
-                </a:solidFill>
-                <a:effectLst>
-                  <a:outerShdw blurRad="38100" dist="19050" dir="2700000" algn="tl" rotWithShape="0">
-                    <a:schemeClr val="dk1">
-                      <a:alpha val="40000"/>
-                    </a:schemeClr>
-                  </a:outerShdw>
-                </a:effectLst>
-              </a:rPr>
-              <a:t>生产力将大幅度</a:t>
-            </a:r>
-            <a:r>
-              <a:rPr lang="zh-CN" altLang="en-US" sz="4400" b="1">
-                <a:solidFill>
-                  <a:srgbClr val="FF0000"/>
-                </a:solidFill>
-                <a:effectLst>
-                  <a:outerShdw blurRad="38100" dist="19050" dir="2700000" algn="tl" rotWithShape="0">
-                    <a:schemeClr val="dk1">
-                      <a:alpha val="40000"/>
-                    </a:schemeClr>
-                  </a:outerShdw>
-                </a:effectLst>
-              </a:rPr>
-              <a:t>提升</a:t>
+              <a:t>潜力</a:t>
             </a:r>
             <a:endParaRPr lang="zh-CN" altLang="en-US" sz="4400" b="1">
               <a:solidFill>
@@ -8343,7 +8201,7 @@
       <p:grpSpPr/>
       <p:sp>
         <p:nvSpPr>
-          <p:cNvPr id="2" name="Title 1"/>
+          <p:cNvPr id="5" name="Title 4"/>
           <p:cNvSpPr>
             <a:spLocks noGrp="1"/>
           </p:cNvSpPr>
@@ -8356,89 +8214,467 @@
           <a:bodyPr/>
           <a:p>
             <a:r>
-              <a:rPr lang="en-US" altLang="zh-CN">
+              <a:rPr lang="en-US"/>
+              <a:t>Nature </a:t>
+            </a:r>
+            <a:r>
+              <a:rPr lang="zh-CN" altLang="en-US"/>
+              <a:t>特性</a:t>
+            </a:r>
+            <a:endParaRPr lang="zh-CN" altLang="en-US"/>
+          </a:p>
+        </p:txBody>
+      </p:sp>
+      <p:sp>
+        <p:nvSpPr>
+          <p:cNvPr id="7" name="Rectangles 6"/>
+          <p:cNvSpPr/>
+          <p:nvPr/>
+        </p:nvSpPr>
+        <p:spPr>
+          <a:xfrm>
+            <a:off x="643255" y="1384300"/>
+            <a:ext cx="11437620" cy="2861310"/>
+          </a:xfrm>
+          <a:prstGeom prst="rect">
+            <a:avLst/>
+          </a:prstGeom>
+          <a:noFill/>
+          <a:ln>
+            <a:noFill/>
+          </a:ln>
+        </p:spPr>
+        <p:txBody>
+          <a:bodyPr wrap="square" rtlCol="0" anchor="t">
+            <a:spAutoFit/>
+          </a:bodyPr>
+          <a:p>
+            <a:pPr marL="571500" indent="-571500" algn="l">
+              <a:buFont typeface="Arial" panose="020B0604020202020204" pitchFamily="34" charset="0"/>
+              <a:buChar char="•"/>
+            </a:pPr>
+            <a:r>
+              <a:rPr lang="zh-CN" altLang="en-US" sz="3600" b="1">
+                <a:solidFill>
+                  <a:schemeClr val="tx1"/>
+                </a:solidFill>
+                <a:effectLst>
+                  <a:outerShdw blurRad="38100" dist="19050" dir="2700000" algn="tl" rotWithShape="0">
+                    <a:schemeClr val="dk1">
+                      <a:alpha val="40000"/>
+                    </a:schemeClr>
+                  </a:outerShdw>
+                </a:effectLst>
+              </a:rPr>
+              <a:t>数据的</a:t>
+            </a:r>
+            <a:r>
+              <a:rPr lang="zh-CN" altLang="zh-CN" sz="3600" b="1">
+                <a:solidFill>
+                  <a:srgbClr val="FF0000"/>
+                </a:solidFill>
+                <a:effectLst>
+                  <a:outerShdw blurRad="38100" dist="19050" dir="2700000" algn="tl" rotWithShape="0">
+                    <a:schemeClr val="dk1">
+                      <a:alpha val="40000"/>
+                    </a:schemeClr>
+                  </a:outerShdw>
+                </a:effectLst>
+              </a:rPr>
+              <a:t>确定性</a:t>
+            </a:r>
+            <a:r>
+              <a:rPr lang="zh-CN" altLang="en-US" sz="3600" b="1">
+                <a:solidFill>
+                  <a:schemeClr val="tx1"/>
+                </a:solidFill>
+                <a:effectLst>
+                  <a:outerShdw blurRad="38100" dist="19050" dir="2700000" algn="tl" rotWithShape="0">
+                    <a:schemeClr val="dk1">
+                      <a:alpha val="40000"/>
+                    </a:schemeClr>
+                  </a:outerShdw>
+                </a:effectLst>
+              </a:rPr>
+              <a:t>：</a:t>
+            </a:r>
+            <a:r>
+              <a:rPr lang="zh-CN" altLang="zh-CN" sz="3600" b="1">
+                <a:solidFill>
+                  <a:schemeClr val="tx1"/>
+                </a:solidFill>
+                <a:effectLst>
+                  <a:outerShdw blurRad="38100" dist="19050" dir="2700000" algn="tl" rotWithShape="0">
+                    <a:schemeClr val="dk1">
+                      <a:alpha val="40000"/>
+                    </a:schemeClr>
+                  </a:outerShdw>
+                </a:effectLst>
+              </a:rPr>
+              <a:t>大幅度减少人员沟通、数据转换成本。</a:t>
+            </a:r>
+            <a:endParaRPr lang="zh-CN" altLang="zh-CN" sz="3600" b="1">
+              <a:solidFill>
+                <a:schemeClr val="tx1"/>
+              </a:solidFill>
+              <a:effectLst>
+                <a:outerShdw blurRad="38100" dist="19050" dir="2700000" algn="tl" rotWithShape="0">
+                  <a:schemeClr val="dk1">
+                    <a:alpha val="40000"/>
+                  </a:schemeClr>
+                </a:outerShdw>
+              </a:effectLst>
+            </a:endParaRPr>
+          </a:p>
+          <a:p>
+            <a:pPr marL="571500" indent="-571500" algn="l">
+              <a:buFont typeface="Arial" panose="020B0604020202020204" pitchFamily="34" charset="0"/>
+              <a:buChar char="•"/>
+            </a:pPr>
+            <a:r>
+              <a:rPr lang="zh-CN" altLang="zh-CN" sz="3600" b="1">
+                <a:solidFill>
+                  <a:schemeClr val="tx1"/>
+                </a:solidFill>
+                <a:effectLst>
+                  <a:outerShdw blurRad="38100" dist="19050" dir="2700000" algn="tl" rotWithShape="0">
+                    <a:schemeClr val="dk1">
+                      <a:alpha val="40000"/>
+                    </a:schemeClr>
+                  </a:outerShdw>
+                </a:effectLst>
+              </a:rPr>
+              <a:t>流程的</a:t>
+            </a:r>
+            <a:r>
+              <a:rPr lang="zh-CN" altLang="zh-CN" sz="3600" b="1">
+                <a:solidFill>
+                  <a:srgbClr val="FF0000"/>
+                </a:solidFill>
+                <a:effectLst>
+                  <a:outerShdw blurRad="38100" dist="19050" dir="2700000" algn="tl" rotWithShape="0">
+                    <a:schemeClr val="dk1">
+                      <a:alpha val="40000"/>
+                    </a:schemeClr>
+                  </a:outerShdw>
+                </a:effectLst>
+              </a:rPr>
+              <a:t>选择性</a:t>
+            </a:r>
+            <a:r>
+              <a:rPr lang="zh-CN" altLang="zh-CN" sz="3600" b="1">
+                <a:solidFill>
+                  <a:schemeClr val="tx1"/>
+                </a:solidFill>
+                <a:effectLst>
+                  <a:outerShdw blurRad="38100" dist="19050" dir="2700000" algn="tl" rotWithShape="0">
+                    <a:schemeClr val="dk1">
+                      <a:alpha val="40000"/>
+                    </a:schemeClr>
+                  </a:outerShdw>
+                </a:effectLst>
+              </a:rPr>
+              <a:t>：</a:t>
+            </a:r>
+            <a:r>
+              <a:rPr lang="zh-CN" altLang="zh-CN" sz="3600" b="1">
+                <a:effectLst>
+                  <a:outerShdw blurRad="38100" dist="19050" dir="2700000" algn="tl" rotWithShape="0">
+                    <a:schemeClr val="dk1">
+                      <a:alpha val="40000"/>
+                    </a:schemeClr>
+                  </a:outerShdw>
+                </a:effectLst>
                 <a:sym typeface="+mn-ea"/>
               </a:rPr>
-              <a:t>Nature </a:t>
-            </a:r>
-            <a:r>
-              <a:rPr lang="zh-CN" altLang="en-US">
-                <a:sym typeface="+mn-ea"/>
-              </a:rPr>
-              <a:t>项目</a:t>
-            </a:r>
-            <a:r>
-              <a:rPr lang="zh-CN" altLang="en-US">
-                <a:sym typeface="+mn-ea"/>
-              </a:rPr>
-              <a:t>信息</a:t>
-            </a:r>
-            <a:endParaRPr lang="zh-CN" altLang="en-US">
+              <a:t>大幅度降低系统的复杂性。</a:t>
+            </a:r>
+            <a:endParaRPr lang="zh-CN" altLang="zh-CN" sz="3600" b="1">
+              <a:effectLst>
+                <a:outerShdw blurRad="38100" dist="19050" dir="2700000" algn="tl" rotWithShape="0">
+                  <a:schemeClr val="dk1">
+                    <a:alpha val="40000"/>
+                  </a:schemeClr>
+                </a:outerShdw>
+              </a:effectLst>
               <a:sym typeface="+mn-ea"/>
             </a:endParaRPr>
           </a:p>
-        </p:txBody>
-      </p:sp>
-      <p:sp>
-        <p:nvSpPr>
-          <p:cNvPr id="3" name="Content Placeholder 2"/>
-          <p:cNvSpPr>
-            <a:spLocks noGrp="1"/>
-          </p:cNvSpPr>
-          <p:nvPr>
-            <p:ph idx="1"/>
-          </p:nvPr>
-        </p:nvSpPr>
-        <p:spPr/>
-        <p:txBody>
-          <a:bodyPr/>
-          <a:p>
-            <a:r>
-              <a:rPr lang="zh-CN" altLang="en-US"/>
-              <a:t>项目地址：</a:t>
-            </a:r>
-            <a:r>
-              <a:rPr lang="en-US"/>
-              <a:t>https://github.com/llxxbb/Nature</a:t>
-            </a:r>
-            <a:endParaRPr lang="en-US"/>
-          </a:p>
-          <a:p>
-            <a:r>
-              <a:rPr lang="zh-CN" altLang="en-US"/>
-              <a:t>架构</a:t>
-            </a:r>
-            <a:r>
-              <a:rPr lang="zh-CN" altLang="en-US"/>
-              <a:t>思想：https://github.com/llxxbb/Nature/blob/master/doc/ZH/help/architecture.md</a:t>
-            </a:r>
-            <a:endParaRPr lang="zh-CN" altLang="en-US"/>
-          </a:p>
-          <a:p>
-            <a:r>
-              <a:rPr lang="zh-CN" altLang="en-US"/>
-              <a:t>与其他</a:t>
-            </a:r>
-            <a:r>
-              <a:rPr lang="zh-CN" altLang="en-US"/>
-              <a:t>框架比较：</a:t>
-            </a:r>
-            <a:r>
-              <a:rPr lang="en-US"/>
-              <a:t>https://github.com/llxxbb/Nature/blob/master/doc/ZH/compare.md</a:t>
-            </a:r>
-            <a:endParaRPr lang="en-US"/>
-          </a:p>
-          <a:p>
-            <a:r>
-              <a:rPr lang="zh-CN" altLang="en-US"/>
-              <a:t>示例</a:t>
-            </a:r>
-            <a:r>
-              <a:rPr lang="zh-CN" altLang="en-US"/>
-              <a:t>程序：https://github.com/llxxbb/Nature-Demo</a:t>
-            </a:r>
-            <a:endParaRPr lang="zh-CN" altLang="en-US"/>
+          <a:p>
+            <a:pPr marL="571500" indent="-571500" algn="l">
+              <a:buFont typeface="Arial" panose="020B0604020202020204" pitchFamily="34" charset="0"/>
+              <a:buChar char="•"/>
+            </a:pPr>
+            <a:r>
+              <a:rPr lang="zh-CN" altLang="zh-CN" sz="3600" b="1">
+                <a:effectLst>
+                  <a:outerShdw blurRad="38100" dist="19050" dir="2700000" algn="tl" rotWithShape="0">
+                    <a:schemeClr val="dk1">
+                      <a:alpha val="40000"/>
+                    </a:schemeClr>
+                  </a:outerShdw>
+                </a:effectLst>
+                <a:sym typeface="+mn-ea"/>
+              </a:rPr>
+              <a:t>控制的</a:t>
+            </a:r>
+            <a:r>
+              <a:rPr lang="zh-CN" altLang="zh-CN" sz="3600" b="1">
+                <a:solidFill>
+                  <a:srgbClr val="FF0000"/>
+                </a:solidFill>
+                <a:effectLst>
+                  <a:outerShdw blurRad="38100" dist="19050" dir="2700000" algn="tl" rotWithShape="0">
+                    <a:schemeClr val="dk1">
+                      <a:alpha val="40000"/>
+                    </a:schemeClr>
+                  </a:outerShdw>
+                </a:effectLst>
+                <a:sym typeface="+mn-ea"/>
+              </a:rPr>
+              <a:t>集中性</a:t>
+            </a:r>
+            <a:r>
+              <a:rPr lang="zh-CN" altLang="zh-CN" sz="3600" b="1">
+                <a:effectLst>
+                  <a:outerShdw blurRad="38100" dist="19050" dir="2700000" algn="tl" rotWithShape="0">
+                    <a:schemeClr val="dk1">
+                      <a:alpha val="40000"/>
+                    </a:schemeClr>
+                  </a:outerShdw>
+                </a:effectLst>
+                <a:sym typeface="+mn-ea"/>
+              </a:rPr>
+              <a:t>：告别系统的无脑</a:t>
+            </a:r>
+            <a:r>
+              <a:rPr lang="zh-CN" altLang="zh-CN" sz="3600" b="1">
+                <a:effectLst>
+                  <a:outerShdw blurRad="38100" dist="19050" dir="2700000" algn="tl" rotWithShape="0">
+                    <a:schemeClr val="dk1">
+                      <a:alpha val="40000"/>
+                    </a:schemeClr>
+                  </a:outerShdw>
+                </a:effectLst>
+                <a:sym typeface="+mn-ea"/>
+              </a:rPr>
+              <a:t>时代。</a:t>
+            </a:r>
+            <a:endParaRPr lang="zh-CN" altLang="zh-CN" sz="3600" b="1">
+              <a:effectLst>
+                <a:outerShdw blurRad="38100" dist="19050" dir="2700000" algn="tl" rotWithShape="0">
+                  <a:schemeClr val="dk1">
+                    <a:alpha val="40000"/>
+                  </a:schemeClr>
+                </a:outerShdw>
+              </a:effectLst>
+              <a:sym typeface="+mn-ea"/>
+            </a:endParaRPr>
+          </a:p>
+          <a:p>
+            <a:pPr marL="571500" indent="-571500" algn="l">
+              <a:buFont typeface="Arial" panose="020B0604020202020204" pitchFamily="34" charset="0"/>
+              <a:buChar char="•"/>
+            </a:pPr>
+            <a:r>
+              <a:rPr lang="zh-CN" altLang="zh-CN" sz="3600" b="1">
+                <a:solidFill>
+                  <a:srgbClr val="FF0000"/>
+                </a:solidFill>
+                <a:effectLst>
+                  <a:outerShdw blurRad="38100" dist="19050" dir="2700000" algn="tl" rotWithShape="0">
+                    <a:schemeClr val="dk1">
+                      <a:alpha val="40000"/>
+                    </a:schemeClr>
+                  </a:outerShdw>
+                </a:effectLst>
+                <a:sym typeface="+mn-ea"/>
+              </a:rPr>
+              <a:t>规范性和统一性</a:t>
+            </a:r>
+            <a:r>
+              <a:rPr lang="zh-CN" altLang="zh-CN" sz="3600" b="1">
+                <a:solidFill>
+                  <a:schemeClr val="tx1"/>
+                </a:solidFill>
+                <a:effectLst>
+                  <a:outerShdw blurRad="38100" dist="19050" dir="2700000" algn="tl" rotWithShape="0">
+                    <a:schemeClr val="dk1">
+                      <a:alpha val="40000"/>
+                    </a:schemeClr>
+                  </a:outerShdw>
+                </a:effectLst>
+                <a:sym typeface="+mn-ea"/>
+              </a:rPr>
+              <a:t>：</a:t>
+            </a:r>
+            <a:r>
+              <a:rPr lang="zh-CN" altLang="zh-CN" sz="3600" b="1">
+                <a:effectLst>
+                  <a:outerShdw blurRad="38100" dist="19050" dir="2700000" algn="tl" rotWithShape="0">
+                    <a:schemeClr val="dk1">
+                      <a:alpha val="40000"/>
+                    </a:schemeClr>
+                  </a:outerShdw>
+                </a:effectLst>
+                <a:sym typeface="+mn-ea"/>
+              </a:rPr>
+              <a:t>为</a:t>
+            </a:r>
+            <a:r>
+              <a:rPr lang="zh-CN" altLang="zh-CN" sz="3600" b="1">
+                <a:solidFill>
+                  <a:srgbClr val="FF0000"/>
+                </a:solidFill>
+                <a:effectLst>
+                  <a:outerShdw blurRad="38100" dist="19050" dir="2700000" algn="tl" rotWithShape="0">
+                    <a:schemeClr val="dk1">
+                      <a:alpha val="40000"/>
+                    </a:schemeClr>
+                  </a:outerShdw>
+                </a:effectLst>
+                <a:sym typeface="+mn-ea"/>
+              </a:rPr>
+              <a:t>跨行业</a:t>
+            </a:r>
+            <a:r>
+              <a:rPr lang="zh-CN" altLang="zh-CN" sz="3600" b="1">
+                <a:effectLst>
+                  <a:outerShdw blurRad="38100" dist="19050" dir="2700000" algn="tl" rotWithShape="0">
+                    <a:schemeClr val="dk1">
+                      <a:alpha val="40000"/>
+                    </a:schemeClr>
+                  </a:outerShdw>
+                </a:effectLst>
+                <a:sym typeface="+mn-ea"/>
+              </a:rPr>
+              <a:t>数据及流程的复用提供了基础。</a:t>
+            </a:r>
+            <a:endParaRPr lang="zh-CN" altLang="zh-CN" sz="3600" b="1">
+              <a:effectLst>
+                <a:outerShdw blurRad="38100" dist="19050" dir="2700000" algn="tl" rotWithShape="0">
+                  <a:schemeClr val="dk1">
+                    <a:alpha val="40000"/>
+                  </a:schemeClr>
+                </a:outerShdw>
+              </a:effectLst>
+              <a:sym typeface="+mn-ea"/>
+            </a:endParaRPr>
+          </a:p>
+        </p:txBody>
+      </p:sp>
+      <p:sp>
+        <p:nvSpPr>
+          <p:cNvPr id="45" name="Rectangles 44"/>
+          <p:cNvSpPr/>
+          <p:nvPr/>
+        </p:nvSpPr>
+        <p:spPr>
+          <a:xfrm>
+            <a:off x="2408556" y="5344795"/>
+            <a:ext cx="8041640" cy="1445260"/>
+          </a:xfrm>
+          <a:prstGeom prst="rect">
+            <a:avLst/>
+          </a:prstGeom>
+          <a:noFill/>
+          <a:ln>
+            <a:noFill/>
+          </a:ln>
+        </p:spPr>
+        <p:txBody>
+          <a:bodyPr wrap="none" rtlCol="0" anchor="t">
+            <a:spAutoFit/>
+          </a:bodyPr>
+          <a:p>
+            <a:pPr algn="ctr"/>
+            <a:r>
+              <a:rPr lang="zh-CN" altLang="en-US" sz="4400" b="1">
+                <a:solidFill>
+                  <a:schemeClr val="tx1"/>
+                </a:solidFill>
+                <a:effectLst>
+                  <a:outerShdw blurRad="38100" dist="19050" dir="2700000" algn="tl" rotWithShape="0">
+                    <a:schemeClr val="dk1">
+                      <a:alpha val="40000"/>
+                    </a:schemeClr>
+                  </a:outerShdw>
+                </a:effectLst>
+              </a:rPr>
+              <a:t>业务</a:t>
+            </a:r>
+            <a:r>
+              <a:rPr lang="zh-CN" altLang="en-US" sz="4400" b="1">
+                <a:solidFill>
+                  <a:schemeClr val="tx1"/>
+                </a:solidFill>
+                <a:effectLst>
+                  <a:outerShdw blurRad="38100" dist="19050" dir="2700000" algn="tl" rotWithShape="0">
+                    <a:schemeClr val="dk1">
+                      <a:alpha val="40000"/>
+                    </a:schemeClr>
+                  </a:outerShdw>
+                </a:effectLst>
+              </a:rPr>
+              <a:t>开发人员只需关注业务问题</a:t>
+            </a:r>
+            <a:endParaRPr lang="zh-CN" altLang="en-US" sz="4400" b="1">
+              <a:solidFill>
+                <a:schemeClr val="tx1"/>
+              </a:solidFill>
+              <a:effectLst>
+                <a:outerShdw blurRad="38100" dist="19050" dir="2700000" algn="tl" rotWithShape="0">
+                  <a:schemeClr val="dk1">
+                    <a:alpha val="40000"/>
+                  </a:schemeClr>
+                </a:outerShdw>
+              </a:effectLst>
+            </a:endParaRPr>
+          </a:p>
+          <a:p>
+            <a:pPr algn="ctr"/>
+            <a:r>
+              <a:rPr lang="en-US" altLang="zh-CN" sz="4400" b="1">
+                <a:solidFill>
+                  <a:schemeClr val="tx1"/>
+                </a:solidFill>
+                <a:effectLst>
+                  <a:outerShdw blurRad="38100" dist="19050" dir="2700000" algn="tl" rotWithShape="0">
+                    <a:schemeClr val="dk1">
+                      <a:alpha val="40000"/>
+                    </a:schemeClr>
+                  </a:outerShdw>
+                </a:effectLst>
+              </a:rPr>
+              <a:t>Nature </a:t>
+            </a:r>
+            <a:r>
+              <a:rPr lang="zh-CN" altLang="en-US" sz="4400" b="1">
+                <a:solidFill>
+                  <a:schemeClr val="tx1"/>
+                </a:solidFill>
+                <a:effectLst>
+                  <a:outerShdw blurRad="38100" dist="19050" dir="2700000" algn="tl" rotWithShape="0">
+                    <a:schemeClr val="dk1">
+                      <a:alpha val="40000"/>
+                    </a:schemeClr>
+                  </a:outerShdw>
+                </a:effectLst>
+              </a:rPr>
+              <a:t>进行技术兜底</a:t>
+            </a:r>
+            <a:endParaRPr lang="zh-CN" altLang="en-US" sz="4400" b="1">
+              <a:solidFill>
+                <a:schemeClr val="tx1"/>
+              </a:solidFill>
+              <a:effectLst>
+                <a:outerShdw blurRad="38100" dist="19050" dir="2700000" algn="tl" rotWithShape="0">
+                  <a:schemeClr val="dk1">
+                    <a:alpha val="40000"/>
+                  </a:schemeClr>
+                </a:outerShdw>
+              </a:effectLst>
+            </a:endParaRPr>
           </a:p>
         </p:txBody>
       </p:sp>
@@ -8520,7 +8756,11 @@
           <a:p>
             <a:r>
               <a:rPr lang="zh-CN" altLang="en-US"/>
-              <a:t>标准化</a:t>
+              <a:t>延伸</a:t>
+            </a:r>
+            <a:r>
+              <a:rPr lang="zh-CN" altLang="en-US"/>
+              <a:t>价值</a:t>
             </a:r>
             <a:endParaRPr lang="zh-CN" altLang="en-US"/>
           </a:p>
@@ -8532,6 +8772,696 @@
             <a:r>
               <a:rPr lang="zh-CN" altLang="en-US"/>
               <a:t>项目</a:t>
+            </a:r>
+            <a:endParaRPr lang="zh-CN" altLang="en-US"/>
+          </a:p>
+        </p:txBody>
+      </p:sp>
+    </p:spTree>
+  </p:cSld>
+  <p:clrMapOvr>
+    <a:masterClrMapping/>
+  </p:clrMapOvr>
+</p:sld>
+</file>
+
+<file path=ppt/slides/slide20.xml><?xml version="1.0" encoding="utf-8"?>
+<p:sld xmlns:a="http://schemas.openxmlformats.org/drawingml/2006/main" xmlns:r="http://schemas.openxmlformats.org/officeDocument/2006/relationships" xmlns:p="http://schemas.openxmlformats.org/presentationml/2006/main">
+  <p:cSld>
+    <p:spTree>
+      <p:nvGrpSpPr>
+        <p:cNvPr id="1" name=""/>
+        <p:cNvGrpSpPr/>
+        <p:nvPr/>
+      </p:nvGrpSpPr>
+      <p:grpSpPr/>
+      <p:sp>
+        <p:nvSpPr>
+          <p:cNvPr id="2" name="Title 1"/>
+          <p:cNvSpPr>
+            <a:spLocks noGrp="1"/>
+          </p:cNvSpPr>
+          <p:nvPr>
+            <p:ph type="title"/>
+          </p:nvPr>
+        </p:nvSpPr>
+        <p:spPr/>
+        <p:txBody>
+          <a:bodyPr/>
+          <a:p>
+            <a:r>
+              <a:rPr lang="zh-CN" altLang="en-US"/>
+              <a:t>新体系下的职责</a:t>
+            </a:r>
+            <a:r>
+              <a:rPr lang="zh-CN" altLang="en-US"/>
+              <a:t>分布</a:t>
+            </a:r>
+            <a:endParaRPr lang="zh-CN" altLang="en-US"/>
+          </a:p>
+        </p:txBody>
+      </p:sp>
+      <p:sp>
+        <p:nvSpPr>
+          <p:cNvPr id="4" name="Content Placeholder 3"/>
+          <p:cNvSpPr>
+            <a:spLocks noGrp="1"/>
+          </p:cNvSpPr>
+          <p:nvPr>
+            <p:ph sz="half" idx="1"/>
+          </p:nvPr>
+        </p:nvSpPr>
+        <p:spPr>
+          <a:xfrm>
+            <a:off x="524510" y="1167765"/>
+            <a:ext cx="5679440" cy="2766060"/>
+          </a:xfrm>
+        </p:spPr>
+        <p:txBody>
+          <a:bodyPr/>
+          <a:p>
+            <a:r>
+              <a:rPr lang="en-US"/>
+              <a:t>Nature</a:t>
+            </a:r>
+            <a:endParaRPr lang="en-US"/>
+          </a:p>
+          <a:p>
+            <a:pPr lvl="1"/>
+            <a:r>
+              <a:rPr lang="zh-CN" altLang="en-US"/>
+              <a:t>业务流程</a:t>
+            </a:r>
+            <a:r>
+              <a:rPr lang="zh-CN" altLang="en-US"/>
+              <a:t>编排</a:t>
+            </a:r>
+            <a:endParaRPr lang="zh-CN" altLang="en-US"/>
+          </a:p>
+          <a:p>
+            <a:pPr lvl="1"/>
+            <a:r>
+              <a:rPr lang="zh-CN" altLang="en-US"/>
+              <a:t>非功能性需求（性能、数据一致性</a:t>
+            </a:r>
+            <a:r>
+              <a:rPr lang="zh-CN" altLang="en-US"/>
+              <a:t>等）</a:t>
+            </a:r>
+            <a:endParaRPr lang="zh-CN" altLang="en-US"/>
+          </a:p>
+          <a:p>
+            <a:pPr lvl="1"/>
+            <a:r>
+              <a:rPr lang="zh-CN" altLang="en-US"/>
+              <a:t>部分功能性</a:t>
+            </a:r>
+            <a:r>
+              <a:rPr lang="zh-CN" altLang="en-US"/>
+              <a:t>需求</a:t>
+            </a:r>
+            <a:endParaRPr lang="zh-CN" altLang="en-US"/>
+          </a:p>
+        </p:txBody>
+      </p:sp>
+      <p:sp>
+        <p:nvSpPr>
+          <p:cNvPr id="5" name="Content Placeholder 4"/>
+          <p:cNvSpPr>
+            <a:spLocks noGrp="1"/>
+          </p:cNvSpPr>
+          <p:nvPr>
+            <p:ph sz="half" idx="2"/>
+          </p:nvPr>
+        </p:nvSpPr>
+        <p:spPr>
+          <a:xfrm>
+            <a:off x="6141085" y="1168400"/>
+            <a:ext cx="5679440" cy="2765425"/>
+          </a:xfrm>
+        </p:spPr>
+        <p:txBody>
+          <a:bodyPr/>
+          <a:p>
+            <a:r>
+              <a:rPr lang="zh-CN" altLang="en-US"/>
+              <a:t>业务</a:t>
+            </a:r>
+            <a:r>
+              <a:rPr lang="zh-CN" altLang="en-US"/>
+              <a:t>系统</a:t>
+            </a:r>
+            <a:endParaRPr lang="zh-CN" altLang="en-US"/>
+          </a:p>
+          <a:p>
+            <a:pPr lvl="1"/>
+            <a:r>
+              <a:rPr lang="zh-CN" altLang="en-US"/>
+              <a:t>数据</a:t>
+            </a:r>
+            <a:r>
+              <a:rPr lang="zh-CN" altLang="en-US"/>
+              <a:t>转换器</a:t>
+            </a:r>
+            <a:endParaRPr lang="zh-CN" altLang="en-US"/>
+          </a:p>
+          <a:p>
+            <a:pPr lvl="1"/>
+            <a:r>
+              <a:rPr lang="zh-CN" altLang="en-US"/>
+              <a:t>特殊</a:t>
+            </a:r>
+            <a:r>
+              <a:rPr lang="zh-CN" altLang="en-US"/>
+              <a:t>算法</a:t>
+            </a:r>
+            <a:endParaRPr lang="zh-CN" altLang="en-US"/>
+          </a:p>
+          <a:p>
+            <a:pPr lvl="1"/>
+            <a:r>
+              <a:rPr lang="en-US" altLang="zh-CN"/>
+              <a:t>...</a:t>
+            </a:r>
+            <a:endParaRPr lang="en-US" altLang="zh-CN"/>
+          </a:p>
+        </p:txBody>
+      </p:sp>
+      <p:sp>
+        <p:nvSpPr>
+          <p:cNvPr id="45" name="Rectangles 44"/>
+          <p:cNvSpPr/>
+          <p:nvPr/>
+        </p:nvSpPr>
+        <p:spPr>
+          <a:xfrm>
+            <a:off x="541655" y="4336415"/>
+            <a:ext cx="11786235" cy="2061210"/>
+          </a:xfrm>
+          <a:prstGeom prst="rect">
+            <a:avLst/>
+          </a:prstGeom>
+          <a:noFill/>
+          <a:ln>
+            <a:noFill/>
+          </a:ln>
+        </p:spPr>
+        <p:txBody>
+          <a:bodyPr wrap="square" rtlCol="0" anchor="t">
+            <a:spAutoFit/>
+          </a:bodyPr>
+          <a:p>
+            <a:pPr algn="l"/>
+            <a:r>
+              <a:rPr lang="zh-CN" altLang="en-US" sz="3200" b="1">
+                <a:solidFill>
+                  <a:schemeClr val="tx1"/>
+                </a:solidFill>
+                <a:effectLst>
+                  <a:outerShdw blurRad="38100" dist="19050" dir="2700000" algn="tl" rotWithShape="0">
+                    <a:schemeClr val="dk1">
+                      <a:alpha val="40000"/>
+                    </a:schemeClr>
+                  </a:outerShdw>
+                </a:effectLst>
+              </a:rPr>
+              <a:t>决策、规划人员：业务布局规划调整简洁明了、数据实时可视</a:t>
+            </a:r>
+            <a:r>
+              <a:rPr lang="zh-CN" altLang="en-US" sz="3200" b="1">
+                <a:solidFill>
+                  <a:schemeClr val="tx1"/>
+                </a:solidFill>
+                <a:effectLst>
+                  <a:outerShdw blurRad="38100" dist="19050" dir="2700000" algn="tl" rotWithShape="0">
+                    <a:schemeClr val="dk1">
+                      <a:alpha val="40000"/>
+                    </a:schemeClr>
+                  </a:outerShdw>
+                </a:effectLst>
+              </a:rPr>
+              <a:t>化</a:t>
+            </a:r>
+            <a:endParaRPr lang="zh-CN" altLang="en-US" sz="3200" b="1">
+              <a:solidFill>
+                <a:schemeClr val="tx1"/>
+              </a:solidFill>
+              <a:effectLst>
+                <a:outerShdw blurRad="38100" dist="19050" dir="2700000" algn="tl" rotWithShape="0">
+                  <a:schemeClr val="dk1">
+                    <a:alpha val="40000"/>
+                  </a:schemeClr>
+                </a:outerShdw>
+              </a:effectLst>
+            </a:endParaRPr>
+          </a:p>
+          <a:p>
+            <a:pPr algn="l"/>
+            <a:r>
+              <a:rPr lang="zh-CN" altLang="en-US" sz="3200" b="1">
+                <a:solidFill>
+                  <a:schemeClr val="tx1"/>
+                </a:solidFill>
+                <a:effectLst>
+                  <a:outerShdw blurRad="38100" dist="19050" dir="2700000" algn="tl" rotWithShape="0">
+                    <a:schemeClr val="dk1">
+                      <a:alpha val="40000"/>
+                    </a:schemeClr>
+                  </a:outerShdw>
+                </a:effectLst>
+              </a:rPr>
+              <a:t>程序员：技能要求低，任务简单，可快速构建。</a:t>
+            </a:r>
+            <a:br>
+              <a:rPr lang="zh-CN" altLang="en-US" sz="3200" b="1">
+                <a:solidFill>
+                  <a:schemeClr val="tx1"/>
+                </a:solidFill>
+                <a:effectLst>
+                  <a:outerShdw blurRad="38100" dist="19050" dir="2700000" algn="tl" rotWithShape="0">
+                    <a:schemeClr val="dk1">
+                      <a:alpha val="40000"/>
+                    </a:schemeClr>
+                  </a:outerShdw>
+                </a:effectLst>
+              </a:rPr>
+            </a:br>
+            <a:r>
+              <a:rPr lang="zh-CN" altLang="en-US" sz="3200" b="1">
+                <a:solidFill>
+                  <a:schemeClr val="tx1"/>
+                </a:solidFill>
+                <a:effectLst>
+                  <a:outerShdw blurRad="38100" dist="19050" dir="2700000" algn="tl" rotWithShape="0">
+                    <a:schemeClr val="dk1">
+                      <a:alpha val="40000"/>
+                    </a:schemeClr>
+                  </a:outerShdw>
+                </a:effectLst>
+              </a:rPr>
+              <a:t>数据分析人员：基本可以取消数据清洗的工作了，</a:t>
+            </a:r>
+            <a:r>
+              <a:rPr lang="en-US" altLang="zh-CN" sz="3200" b="1">
+                <a:solidFill>
+                  <a:schemeClr val="tx1"/>
+                </a:solidFill>
+                <a:effectLst>
+                  <a:outerShdw blurRad="38100" dist="19050" dir="2700000" algn="tl" rotWithShape="0">
+                    <a:schemeClr val="dk1">
+                      <a:alpha val="40000"/>
+                    </a:schemeClr>
+                  </a:outerShdw>
+                </a:effectLst>
+              </a:rPr>
+              <a:t>	</a:t>
+            </a:r>
+            <a:r>
+              <a:rPr lang="zh-CN" altLang="en-US" sz="3200" b="1">
+                <a:solidFill>
+                  <a:schemeClr val="tx1"/>
+                </a:solidFill>
+                <a:effectLst>
+                  <a:outerShdw blurRad="38100" dist="19050" dir="2700000" algn="tl" rotWithShape="0">
+                    <a:schemeClr val="dk1">
+                      <a:alpha val="40000"/>
+                    </a:schemeClr>
+                  </a:outerShdw>
+                </a:effectLst>
+              </a:rPr>
+              <a:t>也可以直接在</a:t>
+            </a:r>
+            <a:r>
+              <a:rPr lang="en-US" altLang="zh-CN" sz="3200" b="1">
+                <a:solidFill>
+                  <a:schemeClr val="tx1"/>
+                </a:solidFill>
+                <a:effectLst>
+                  <a:outerShdw blurRad="38100" dist="19050" dir="2700000" algn="tl" rotWithShape="0">
+                    <a:schemeClr val="dk1">
+                      <a:alpha val="40000"/>
+                    </a:schemeClr>
+                  </a:outerShdw>
+                </a:effectLst>
+              </a:rPr>
+              <a:t>Nature</a:t>
+            </a:r>
+            <a:r>
+              <a:rPr lang="zh-CN" altLang="en-US" sz="3200" b="1">
+                <a:solidFill>
+                  <a:schemeClr val="tx1"/>
+                </a:solidFill>
+                <a:effectLst>
+                  <a:outerShdw blurRad="38100" dist="19050" dir="2700000" algn="tl" rotWithShape="0">
+                    <a:schemeClr val="dk1">
+                      <a:alpha val="40000"/>
+                    </a:schemeClr>
+                  </a:outerShdw>
+                </a:effectLst>
+              </a:rPr>
+              <a:t>上直接构建分析</a:t>
+            </a:r>
+            <a:r>
+              <a:rPr lang="zh-CN" altLang="en-US" sz="3200" b="1">
+                <a:solidFill>
+                  <a:schemeClr val="tx1"/>
+                </a:solidFill>
+                <a:effectLst>
+                  <a:outerShdw blurRad="38100" dist="19050" dir="2700000" algn="tl" rotWithShape="0">
+                    <a:schemeClr val="dk1">
+                      <a:alpha val="40000"/>
+                    </a:schemeClr>
+                  </a:outerShdw>
+                </a:effectLst>
+              </a:rPr>
+              <a:t>工程。</a:t>
+            </a:r>
+            <a:endParaRPr lang="zh-CN" altLang="en-US" sz="3200" b="1">
+              <a:solidFill>
+                <a:schemeClr val="tx1"/>
+              </a:solidFill>
+              <a:effectLst>
+                <a:outerShdw blurRad="38100" dist="19050" dir="2700000" algn="tl" rotWithShape="0">
+                  <a:schemeClr val="dk1">
+                    <a:alpha val="40000"/>
+                  </a:schemeClr>
+                </a:outerShdw>
+              </a:effectLst>
+            </a:endParaRPr>
+          </a:p>
+        </p:txBody>
+      </p:sp>
+    </p:spTree>
+  </p:cSld>
+  <p:clrMapOvr>
+    <a:masterClrMapping/>
+  </p:clrMapOvr>
+</p:sld>
+</file>
+
+<file path=ppt/slides/slide21.xml><?xml version="1.0" encoding="utf-8"?>
+<p:sld xmlns:a="http://schemas.openxmlformats.org/drawingml/2006/main" xmlns:r="http://schemas.openxmlformats.org/officeDocument/2006/relationships" xmlns:p="http://schemas.openxmlformats.org/presentationml/2006/main">
+  <p:cSld>
+    <p:spTree>
+      <p:nvGrpSpPr>
+        <p:cNvPr id="1" name=""/>
+        <p:cNvGrpSpPr/>
+        <p:nvPr/>
+      </p:nvGrpSpPr>
+      <p:grpSpPr/>
+      <p:sp>
+        <p:nvSpPr>
+          <p:cNvPr id="4" name="Title 3"/>
+          <p:cNvSpPr>
+            <a:spLocks noGrp="1"/>
+          </p:cNvSpPr>
+          <p:nvPr>
+            <p:ph type="title"/>
+          </p:nvPr>
+        </p:nvSpPr>
+        <p:spPr/>
+        <p:txBody>
+          <a:bodyPr/>
+          <a:p>
+            <a:r>
+              <a:rPr lang="en-US" altLang="zh-CN" sz="6325">
+                <a:sym typeface="+mn-ea"/>
+              </a:rPr>
+              <a:t>Nature </a:t>
+            </a:r>
+            <a:r>
+              <a:rPr lang="zh-CN" altLang="en-US" sz="6325">
+                <a:sym typeface="+mn-ea"/>
+              </a:rPr>
+              <a:t>项目</a:t>
+            </a:r>
+            <a:endParaRPr lang="zh-CN" altLang="en-US" sz="6325">
+              <a:sym typeface="+mn-ea"/>
+            </a:endParaRPr>
+          </a:p>
+        </p:txBody>
+      </p:sp>
+      <p:sp>
+        <p:nvSpPr>
+          <p:cNvPr id="5" name="Text Placeholder 4"/>
+          <p:cNvSpPr>
+            <a:spLocks noGrp="1"/>
+          </p:cNvSpPr>
+          <p:nvPr>
+            <p:ph type="body" idx="1"/>
+          </p:nvPr>
+        </p:nvSpPr>
+        <p:spPr/>
+        <p:txBody>
+          <a:bodyPr/>
+          <a:p>
+            <a:endParaRPr lang="en-US"/>
+          </a:p>
+        </p:txBody>
+      </p:sp>
+    </p:spTree>
+  </p:cSld>
+  <p:clrMapOvr>
+    <a:masterClrMapping/>
+  </p:clrMapOvr>
+</p:sld>
+</file>
+
+<file path=ppt/slides/slide22.xml><?xml version="1.0" encoding="utf-8"?>
+<p:sld xmlns:a="http://schemas.openxmlformats.org/drawingml/2006/main" xmlns:r="http://schemas.openxmlformats.org/officeDocument/2006/relationships" xmlns:p="http://schemas.openxmlformats.org/presentationml/2006/main">
+  <p:cSld>
+    <p:spTree>
+      <p:nvGrpSpPr>
+        <p:cNvPr id="1" name=""/>
+        <p:cNvGrpSpPr/>
+        <p:nvPr/>
+      </p:nvGrpSpPr>
+      <p:grpSpPr/>
+      <p:pic>
+        <p:nvPicPr>
+          <p:cNvPr id="4" name="Content Placeholder 3"/>
+          <p:cNvPicPr>
+            <a:picLocks noChangeAspect="1"/>
+          </p:cNvPicPr>
+          <p:nvPr>
+            <p:ph idx="1"/>
+          </p:nvPr>
+        </p:nvPicPr>
+        <p:blipFill>
+          <a:blip r:embed="rId1"/>
+          <a:stretch>
+            <a:fillRect/>
+          </a:stretch>
+        </p:blipFill>
+        <p:spPr>
+          <a:xfrm>
+            <a:off x="5277485" y="3328035"/>
+            <a:ext cx="1550035" cy="1409065"/>
+          </a:xfrm>
+          <a:prstGeom prst="rect">
+            <a:avLst/>
+          </a:prstGeom>
+        </p:spPr>
+      </p:pic>
+      <p:sp>
+        <p:nvSpPr>
+          <p:cNvPr id="45" name="Rectangles 44"/>
+          <p:cNvSpPr/>
+          <p:nvPr/>
+        </p:nvSpPr>
+        <p:spPr>
+          <a:xfrm>
+            <a:off x="2756853" y="1960245"/>
+            <a:ext cx="6966585" cy="768350"/>
+          </a:xfrm>
+          <a:prstGeom prst="rect">
+            <a:avLst/>
+          </a:prstGeom>
+          <a:noFill/>
+          <a:ln>
+            <a:noFill/>
+          </a:ln>
+        </p:spPr>
+        <p:txBody>
+          <a:bodyPr wrap="none" rtlCol="0" anchor="t">
+            <a:spAutoFit/>
+          </a:bodyPr>
+          <a:p>
+            <a:pPr algn="ctr"/>
+            <a:r>
+              <a:rPr lang="en-US" altLang="zh-CN" sz="4400" b="1">
+                <a:solidFill>
+                  <a:schemeClr val="tx1"/>
+                </a:solidFill>
+                <a:effectLst>
+                  <a:outerShdw blurRad="38100" dist="19050" dir="2700000" algn="tl" rotWithShape="0">
+                    <a:schemeClr val="dk1">
+                      <a:alpha val="40000"/>
+                    </a:schemeClr>
+                  </a:outerShdw>
+                </a:effectLst>
+              </a:rPr>
+              <a:t>Nature </a:t>
+            </a:r>
+            <a:r>
+              <a:rPr lang="zh-CN" altLang="en-US" sz="4400" b="1">
+                <a:solidFill>
+                  <a:schemeClr val="tx1"/>
+                </a:solidFill>
+                <a:effectLst>
+                  <a:outerShdw blurRad="38100" dist="19050" dir="2700000" algn="tl" rotWithShape="0">
+                    <a:schemeClr val="dk1">
+                      <a:alpha val="40000"/>
+                    </a:schemeClr>
+                  </a:outerShdw>
+                </a:effectLst>
+              </a:rPr>
+              <a:t>给你的系统装上</a:t>
+            </a:r>
+            <a:r>
+              <a:rPr lang="zh-CN" altLang="en-US" sz="4400" b="1">
+                <a:solidFill>
+                  <a:schemeClr val="tx1"/>
+                </a:solidFill>
+                <a:effectLst>
+                  <a:outerShdw blurRad="38100" dist="19050" dir="2700000" algn="tl" rotWithShape="0">
+                    <a:schemeClr val="dk1">
+                      <a:alpha val="40000"/>
+                    </a:schemeClr>
+                  </a:outerShdw>
+                </a:effectLst>
+              </a:rPr>
+              <a:t>大脑</a:t>
+            </a:r>
+            <a:endParaRPr lang="zh-CN" altLang="en-US" sz="4400" b="1">
+              <a:solidFill>
+                <a:schemeClr val="tx1"/>
+              </a:solidFill>
+              <a:effectLst>
+                <a:outerShdw blurRad="38100" dist="19050" dir="2700000" algn="tl" rotWithShape="0">
+                  <a:schemeClr val="dk1">
+                    <a:alpha val="40000"/>
+                  </a:schemeClr>
+                </a:outerShdw>
+              </a:effectLst>
+            </a:endParaRPr>
+          </a:p>
+        </p:txBody>
+      </p:sp>
+    </p:spTree>
+  </p:cSld>
+  <p:clrMapOvr>
+    <a:masterClrMapping/>
+  </p:clrMapOvr>
+</p:sld>
+</file>
+
+<file path=ppt/slides/slide23.xml><?xml version="1.0" encoding="utf-8"?>
+<p:sld xmlns:a="http://schemas.openxmlformats.org/drawingml/2006/main" xmlns:r="http://schemas.openxmlformats.org/officeDocument/2006/relationships" xmlns:p="http://schemas.openxmlformats.org/presentationml/2006/main">
+  <p:cSld>
+    <p:spTree>
+      <p:nvGrpSpPr>
+        <p:cNvPr id="1" name=""/>
+        <p:cNvGrpSpPr/>
+        <p:nvPr/>
+      </p:nvGrpSpPr>
+      <p:grpSpPr/>
+      <p:sp>
+        <p:nvSpPr>
+          <p:cNvPr id="2" name="Title 1"/>
+          <p:cNvSpPr>
+            <a:spLocks noGrp="1"/>
+          </p:cNvSpPr>
+          <p:nvPr>
+            <p:ph type="title"/>
+          </p:nvPr>
+        </p:nvSpPr>
+        <p:spPr/>
+        <p:txBody>
+          <a:bodyPr/>
+          <a:p>
+            <a:r>
+              <a:rPr lang="en-US" altLang="zh-CN">
+                <a:sym typeface="+mn-ea"/>
+              </a:rPr>
+              <a:t>Nature </a:t>
+            </a:r>
+            <a:r>
+              <a:rPr lang="zh-CN" altLang="en-US">
+                <a:sym typeface="+mn-ea"/>
+              </a:rPr>
+              <a:t>项目</a:t>
+            </a:r>
+            <a:r>
+              <a:rPr lang="zh-CN" altLang="en-US">
+                <a:sym typeface="+mn-ea"/>
+              </a:rPr>
+              <a:t>信息</a:t>
+            </a:r>
+            <a:endParaRPr lang="zh-CN" altLang="en-US">
+              <a:sym typeface="+mn-ea"/>
+            </a:endParaRPr>
+          </a:p>
+        </p:txBody>
+      </p:sp>
+      <p:sp>
+        <p:nvSpPr>
+          <p:cNvPr id="3" name="Content Placeholder 2"/>
+          <p:cNvSpPr>
+            <a:spLocks noGrp="1"/>
+          </p:cNvSpPr>
+          <p:nvPr>
+            <p:ph idx="1"/>
+          </p:nvPr>
+        </p:nvSpPr>
+        <p:spPr/>
+        <p:txBody>
+          <a:bodyPr/>
+          <a:p>
+            <a:r>
+              <a:rPr lang="zh-CN" altLang="en-US"/>
+              <a:t>项目地址：</a:t>
+            </a:r>
+            <a:r>
+              <a:rPr lang="en-US"/>
+              <a:t>https://github.com/llxxbb/Nature</a:t>
+            </a:r>
+            <a:endParaRPr lang="en-US"/>
+          </a:p>
+          <a:p>
+            <a:r>
+              <a:rPr lang="zh-CN" altLang="en-US"/>
+              <a:t>架构</a:t>
+            </a:r>
+            <a:r>
+              <a:rPr lang="zh-CN" altLang="en-US"/>
+              <a:t>思想：https://github.com/llxxbb/Nature/blob/master/doc/ZH/help/architecture.md</a:t>
+            </a:r>
+            <a:endParaRPr lang="zh-CN" altLang="en-US"/>
+          </a:p>
+          <a:p>
+            <a:r>
+              <a:rPr lang="zh-CN" altLang="en-US"/>
+              <a:t>与其他</a:t>
+            </a:r>
+            <a:r>
+              <a:rPr lang="zh-CN" altLang="en-US"/>
+              <a:t>框架比较：</a:t>
+            </a:r>
+            <a:r>
+              <a:rPr lang="en-US"/>
+              <a:t>https://github.com/llxxbb/Nature/blob/master/doc/ZH/compare.md</a:t>
+            </a:r>
+            <a:endParaRPr lang="en-US"/>
+          </a:p>
+          <a:p>
+            <a:r>
+              <a:rPr lang="zh-CN" altLang="en-US"/>
+              <a:t>示例</a:t>
+            </a:r>
+            <a:r>
+              <a:rPr lang="zh-CN" altLang="en-US"/>
+              <a:t>程序：https://github.com/llxxbb/Nature-Demo</a:t>
             </a:r>
             <a:endParaRPr lang="zh-CN" altLang="en-US"/>
           </a:p>
@@ -8776,71 +9706,14 @@
       </p:pic>
       <p:sp>
         <p:nvSpPr>
-          <p:cNvPr id="9" name="Rectangles 8"/>
-          <p:cNvSpPr/>
-          <p:nvPr/>
-        </p:nvSpPr>
-        <p:spPr>
-          <a:xfrm>
-            <a:off x="4163695" y="5704205"/>
-            <a:ext cx="3855720" cy="1198880"/>
-          </a:xfrm>
-          <a:prstGeom prst="rect">
-            <a:avLst/>
-          </a:prstGeom>
-          <a:noFill/>
-          <a:ln>
-            <a:noFill/>
-          </a:ln>
-        </p:spPr>
-        <p:txBody>
-          <a:bodyPr wrap="none" rtlCol="0" anchor="t">
-            <a:spAutoFit/>
-          </a:bodyPr>
-          <a:p>
-            <a:pPr algn="ctr"/>
-            <a:r>
-              <a:rPr lang="zh-CN" altLang="en-US" sz="7200" b="1">
-                <a:ln/>
-                <a:solidFill>
-                  <a:srgbClr val="FF0000"/>
-                </a:solidFill>
-                <a:effectLst>
-                  <a:outerShdw blurRad="38100" dist="19050" dir="2700000" algn="tl" rotWithShape="0">
-                    <a:schemeClr val="dk1">
-                      <a:alpha val="40000"/>
-                    </a:schemeClr>
-                  </a:outerShdw>
-                </a:effectLst>
-              </a:rPr>
-              <a:t>高度定制</a:t>
-            </a:r>
-            <a:endParaRPr lang="zh-CN" altLang="en-US" sz="7200" b="1">
-              <a:ln/>
-              <a:solidFill>
-                <a:srgbClr val="FF0000"/>
-              </a:solidFill>
-              <a:effectLst>
-                <a:outerShdw blurRad="38100" dist="19050" dir="2700000" algn="tl" rotWithShape="0">
-                  <a:schemeClr val="dk1">
-                    <a:alpha val="40000"/>
-                  </a:schemeClr>
-                </a:outerShdw>
-              </a:effectLst>
-            </a:endParaRPr>
-          </a:p>
-        </p:txBody>
-      </p:sp>
-      <p:sp>
-        <p:nvSpPr>
           <p:cNvPr id="10" name="Rectangles 9"/>
           <p:cNvSpPr/>
           <p:nvPr/>
         </p:nvSpPr>
         <p:spPr>
           <a:xfrm>
-            <a:off x="1748790" y="4552315"/>
-            <a:ext cx="9471660" cy="829945"/>
+            <a:off x="883920" y="4336415"/>
+            <a:ext cx="11201400" cy="2306955"/>
           </a:xfrm>
           <a:prstGeom prst="rect">
             <a:avLst/>
@@ -8915,6 +9788,113 @@
                 </a:effectLst>
               </a:rPr>
               <a:t>非功能性逻辑</a:t>
+            </a:r>
+            <a:endParaRPr lang="zh-CN" altLang="en-US" sz="4800" b="1">
+              <a:solidFill>
+                <a:schemeClr val="tx1"/>
+              </a:solidFill>
+              <a:effectLst>
+                <a:outerShdw blurRad="38100" dist="19050" dir="2700000" algn="tl" rotWithShape="0">
+                  <a:schemeClr val="dk1">
+                    <a:alpha val="40000"/>
+                  </a:schemeClr>
+                </a:outerShdw>
+              </a:effectLst>
+            </a:endParaRPr>
+          </a:p>
+          <a:p>
+            <a:pPr algn="ctr"/>
+            <a:r>
+              <a:rPr lang="zh-CN" altLang="en-US" sz="4800" b="1">
+                <a:solidFill>
+                  <a:srgbClr val="FF0000"/>
+                </a:solidFill>
+                <a:effectLst>
+                  <a:outerShdw blurRad="38100" dist="19050" dir="2700000" algn="tl" rotWithShape="0">
+                    <a:schemeClr val="dk1">
+                      <a:alpha val="40000"/>
+                    </a:schemeClr>
+                  </a:outerShdw>
+                </a:effectLst>
+                <a:sym typeface="+mn-ea"/>
+              </a:rPr>
+              <a:t>高度定制</a:t>
+            </a:r>
+            <a:endParaRPr lang="zh-CN" altLang="en-US" sz="4800" b="1">
+              <a:solidFill>
+                <a:srgbClr val="FF0000"/>
+              </a:solidFill>
+              <a:effectLst>
+                <a:outerShdw blurRad="38100" dist="19050" dir="2700000" algn="tl" rotWithShape="0">
+                  <a:schemeClr val="dk1">
+                    <a:alpha val="40000"/>
+                  </a:schemeClr>
+                </a:outerShdw>
+              </a:effectLst>
+              <a:sym typeface="+mn-ea"/>
+            </a:endParaRPr>
+          </a:p>
+          <a:p>
+            <a:pPr algn="ctr"/>
+            <a:r>
+              <a:rPr lang="zh-CN" altLang="en-US" sz="4800" b="1">
+                <a:solidFill>
+                  <a:schemeClr val="tx1"/>
+                </a:solidFill>
+                <a:effectLst>
+                  <a:outerShdw blurRad="38100" dist="19050" dir="2700000" algn="tl" rotWithShape="0">
+                    <a:schemeClr val="dk1">
+                      <a:alpha val="40000"/>
+                    </a:schemeClr>
+                  </a:outerShdw>
+                </a:effectLst>
+              </a:rPr>
+              <a:t>定制源于</a:t>
+            </a:r>
+            <a:r>
+              <a:rPr lang="zh-CN" altLang="en-US" sz="4800" b="1">
+                <a:solidFill>
+                  <a:srgbClr val="FF0000"/>
+                </a:solidFill>
+                <a:effectLst>
+                  <a:outerShdw blurRad="38100" dist="19050" dir="2700000" algn="tl" rotWithShape="0">
+                    <a:schemeClr val="dk1">
+                      <a:alpha val="40000"/>
+                    </a:schemeClr>
+                  </a:outerShdw>
+                </a:effectLst>
+              </a:rPr>
+              <a:t>功能差异</a:t>
+            </a:r>
+            <a:r>
+              <a:rPr lang="zh-CN" altLang="en-US" sz="4800" b="1">
+                <a:solidFill>
+                  <a:schemeClr val="tx1"/>
+                </a:solidFill>
+                <a:effectLst>
+                  <a:outerShdw blurRad="38100" dist="19050" dir="2700000" algn="tl" rotWithShape="0">
+                    <a:schemeClr val="dk1">
+                      <a:alpha val="40000"/>
+                    </a:schemeClr>
+                  </a:outerShdw>
+                </a:effectLst>
+              </a:rPr>
+              <a:t>（同质化竞争的</a:t>
+            </a:r>
+            <a:r>
+              <a:rPr lang="zh-CN" altLang="en-US" sz="4800" b="1">
+                <a:solidFill>
+                  <a:schemeClr val="tx1"/>
+                </a:solidFill>
+                <a:effectLst>
+                  <a:outerShdw blurRad="38100" dist="19050" dir="2700000" algn="tl" rotWithShape="0">
+                    <a:schemeClr val="dk1">
+                      <a:alpha val="40000"/>
+                    </a:schemeClr>
+                  </a:outerShdw>
+                </a:effectLst>
+              </a:rPr>
+              <a:t>产物）</a:t>
             </a:r>
             <a:endParaRPr lang="zh-CN" altLang="en-US" sz="4800" b="1">
               <a:solidFill>
@@ -8965,11 +9945,11 @@
           <a:p>
             <a:r>
               <a:rPr lang="zh-CN" altLang="en-US"/>
-              <a:t>团队与系统</a:t>
+              <a:t>团队与</a:t>
             </a:r>
             <a:r>
               <a:rPr lang="zh-CN" altLang="en-US"/>
-              <a:t>群</a:t>
+              <a:t>微服务</a:t>
             </a:r>
             <a:endParaRPr lang="zh-CN" altLang="en-US"/>
           </a:p>
@@ -9355,8 +10335,8 @@
         </p:nvSpPr>
         <p:spPr>
           <a:xfrm>
-            <a:off x="1244600" y="5560695"/>
-            <a:ext cx="10697210" cy="1445260"/>
+            <a:off x="1172845" y="5344795"/>
+            <a:ext cx="10697210" cy="1753235"/>
           </a:xfrm>
           <a:prstGeom prst="rect">
             <a:avLst/>
@@ -9373,9 +10353,9 @@
           <a:p>
             <a:pPr algn="ctr"/>
             <a:r>
-              <a:rPr lang="zh-CN" altLang="en-US" sz="4400" b="1">
+              <a:rPr lang="zh-CN" altLang="zh-CN" sz="3600" b="1">
                 <a:solidFill>
-                  <a:schemeClr val="tx1"/>
+                  <a:srgbClr val="FF0000"/>
                 </a:solidFill>
                 <a:effectLst>
                   <a:outerShdw blurRad="38100" dist="19050" dir="2700000" algn="tl" rotWithShape="0">
@@ -9384,13 +10364,14 @@
                     </a:schemeClr>
                   </a:outerShdw>
                 </a:effectLst>
-              </a:rPr>
-              <a:t>定制</a:t>
-            </a:r>
-            <a:r>
-              <a:rPr lang="en-US" altLang="zh-CN" sz="4400" b="1">
+                <a:sym typeface="+mn-ea"/>
+              </a:rPr>
+              <a:t>功能差异</a:t>
+            </a:r>
+            <a:r>
+              <a:rPr lang="en-US" altLang="zh-CN" sz="3600" b="1">
                 <a:solidFill>
-                  <a:schemeClr val="tx1"/>
+                  <a:srgbClr val="FF0000"/>
                 </a:solidFill>
                 <a:effectLst>
                   <a:outerShdw blurRad="38100" dist="19050" dir="2700000" algn="tl" rotWithShape="0">
@@ -9399,13 +10380,14 @@
                     </a:schemeClr>
                   </a:outerShdw>
                 </a:effectLst>
-              </a:rPr>
-              <a:t>=&gt;</a:t>
-            </a:r>
-            <a:r>
-              <a:rPr lang="zh-CN" altLang="en-US" sz="4400" b="1">
+                <a:sym typeface="+mn-ea"/>
+              </a:rPr>
+              <a:t>-&gt;</a:t>
+            </a:r>
+            <a:r>
+              <a:rPr lang="zh-CN" altLang="en-US" sz="3600" b="1">
                 <a:solidFill>
-                  <a:schemeClr val="tx1"/>
+                  <a:srgbClr val="FF0000"/>
                 </a:solidFill>
                 <a:effectLst>
                   <a:outerShdw blurRad="38100" dist="19050" dir="2700000" algn="tl" rotWithShape="0">
@@ -9414,13 +10396,14 @@
                     </a:schemeClr>
                   </a:outerShdw>
                 </a:effectLst>
-              </a:rPr>
-              <a:t>不利于</a:t>
-            </a:r>
-            <a:r>
-              <a:rPr lang="zh-CN" altLang="en-US" sz="4400" b="1">
+                <a:sym typeface="+mn-ea"/>
+              </a:rPr>
+              <a:t>功能驱动</a:t>
+            </a:r>
+            <a:r>
+              <a:rPr lang="en-US" altLang="zh-CN" sz="3600" b="1">
                 <a:solidFill>
-                  <a:schemeClr val="tx1"/>
+                  <a:srgbClr val="FF0000"/>
                 </a:solidFill>
                 <a:effectLst>
                   <a:outerShdw blurRad="38100" dist="19050" dir="2700000" algn="tl" rotWithShape="0">
@@ -9429,10 +10412,27 @@
                     </a:schemeClr>
                   </a:outerShdw>
                 </a:effectLst>
-              </a:rPr>
-              <a:t>协作，难以复用！</a:t>
-            </a:r>
-            <a:endParaRPr lang="zh-CN" altLang="en-US" sz="4400" b="1">
+                <a:sym typeface="+mn-ea"/>
+              </a:rPr>
+              <a:t>-&gt;</a:t>
+            </a:r>
+            <a:r>
+              <a:rPr lang="zh-CN" altLang="en-US" sz="3600" b="1">
+                <a:solidFill>
+                  <a:srgbClr val="FF0000"/>
+                </a:solidFill>
+                <a:effectLst>
+                  <a:outerShdw blurRad="38100" dist="19050" dir="2700000" algn="tl" rotWithShape="0">
+                    <a:schemeClr val="dk1">
+                      <a:alpha val="40000"/>
+                    </a:schemeClr>
+                  </a:outerShdw>
+                </a:effectLst>
+                <a:sym typeface="+mn-ea"/>
+              </a:rPr>
+              <a:t>目标被绑架或迷失</a:t>
+            </a:r>
+            <a:endParaRPr lang="zh-CN" altLang="en-US" sz="3600" b="1">
               <a:solidFill>
                 <a:schemeClr val="tx1"/>
               </a:solidFill>
@@ -9448,7 +10448,22 @@
           <a:p>
             <a:pPr algn="ctr"/>
             <a:r>
-              <a:rPr lang="zh-CN" altLang="en-US" sz="4400" b="1">
+              <a:rPr lang="zh-CN" altLang="en-US" sz="3600" b="1">
+                <a:solidFill>
+                  <a:srgbClr val="FF0000"/>
+                </a:solidFill>
+                <a:effectLst>
+                  <a:outerShdw blurRad="38100" dist="19050" dir="2700000" algn="tl" rotWithShape="0">
+                    <a:schemeClr val="dk1">
+                      <a:alpha val="40000"/>
+                    </a:schemeClr>
+                  </a:outerShdw>
+                </a:effectLst>
+              </a:rPr>
+              <a:t>控制</a:t>
+            </a:r>
+            <a:r>
+              <a:rPr lang="zh-CN" altLang="en-US" sz="3600" b="1">
                 <a:solidFill>
                   <a:schemeClr val="tx1"/>
                 </a:solidFill>
@@ -9460,10 +10475,25 @@
                   </a:outerShdw>
                 </a:effectLst>
               </a:rPr>
-              <a:t>设计、开发、维护周期长，</a:t>
-            </a:r>
-            <a:r>
-              <a:rPr lang="zh-CN" altLang="en-US" sz="4400" b="1">
+              <a:t>由</a:t>
+            </a:r>
+            <a:r>
+              <a:rPr lang="zh-CN" altLang="en-US" sz="3600" b="1">
+                <a:solidFill>
+                  <a:srgbClr val="FF0000"/>
+                </a:solidFill>
+                <a:effectLst>
+                  <a:outerShdw blurRad="38100" dist="19050" dir="2700000" algn="tl" rotWithShape="0">
+                    <a:schemeClr val="dk1">
+                      <a:alpha val="40000"/>
+                    </a:schemeClr>
+                  </a:outerShdw>
+                </a:effectLst>
+              </a:rPr>
+              <a:t>内聚</a:t>
+            </a:r>
+            <a:r>
+              <a:rPr lang="zh-CN" altLang="en-US" sz="3600" b="1">
                 <a:solidFill>
                   <a:schemeClr val="tx1"/>
                 </a:solidFill>
@@ -9475,9 +10505,54 @@
                   </a:outerShdw>
                 </a:effectLst>
               </a:rPr>
-              <a:t>成本高</a:t>
-            </a:r>
-            <a:endParaRPr lang="zh-CN" altLang="en-US" sz="4400" b="1">
+              <a:t>演变为</a:t>
+            </a:r>
+            <a:r>
+              <a:rPr lang="zh-CN" altLang="en-US" sz="3600" b="1">
+                <a:solidFill>
+                  <a:srgbClr val="FF0000"/>
+                </a:solidFill>
+                <a:effectLst>
+                  <a:outerShdw blurRad="38100" dist="19050" dir="2700000" algn="tl" rotWithShape="0">
+                    <a:schemeClr val="dk1">
+                      <a:alpha val="40000"/>
+                    </a:schemeClr>
+                  </a:outerShdw>
+                </a:effectLst>
+              </a:rPr>
+              <a:t>耦合</a:t>
+            </a:r>
+            <a:endParaRPr lang="zh-CN" altLang="en-US" sz="3600" b="1">
+              <a:solidFill>
+                <a:schemeClr val="tx1"/>
+              </a:solidFill>
+              <a:effectLst>
+                <a:outerShdw blurRad="38100" dist="19050" dir="2700000" algn="tl" rotWithShape="0">
+                  <a:schemeClr val="dk1">
+                    <a:alpha val="40000"/>
+                  </a:schemeClr>
+                </a:outerShdw>
+              </a:effectLst>
+            </a:endParaRPr>
+          </a:p>
+          <a:p>
+            <a:pPr algn="ctr"/>
+            <a:r>
+              <a:rPr lang="zh-CN" altLang="en-US" sz="3600" b="1">
+                <a:solidFill>
+                  <a:schemeClr val="tx1"/>
+                </a:solidFill>
+                <a:effectLst>
+                  <a:outerShdw blurRad="38100" dist="19050" dir="2700000" algn="tl" rotWithShape="0">
+                    <a:schemeClr val="dk1">
+                      <a:alpha val="40000"/>
+                    </a:schemeClr>
+                  </a:outerShdw>
+                </a:effectLst>
+              </a:rPr>
+              <a:t>复杂度成指数级增长，成本高</a:t>
+            </a:r>
+            <a:endParaRPr lang="zh-CN" altLang="en-US" sz="3600" b="1">
               <a:solidFill>
                 <a:schemeClr val="tx1"/>
               </a:solidFill>
@@ -9637,7 +10712,6 @@
               <a:pPr algn="ctr"/>
               <a:r>
                 <a:rPr lang="en-US" altLang="zh-CN" sz="4800" b="1">
-                  <a:ln/>
                   <a:solidFill>
                     <a:schemeClr val="tx1"/>
                   </a:solidFill>
@@ -9652,7 +10726,6 @@
                 <a:t>if ... else...</a:t>
               </a:r>
               <a:endParaRPr lang="en-US" altLang="zh-CN" sz="4800" b="1">
-                <a:ln/>
                 <a:solidFill>
                   <a:schemeClr val="tx1"/>
                 </a:solidFill>
@@ -9841,8 +10914,8 @@
         </p:nvSpPr>
         <p:spPr>
           <a:xfrm>
-            <a:off x="3620771" y="1311910"/>
-            <a:ext cx="4673600" cy="768350"/>
+            <a:off x="2273618" y="1311910"/>
+            <a:ext cx="7367905" cy="768350"/>
           </a:xfrm>
           <a:prstGeom prst="rect">
             <a:avLst/>
@@ -9871,7 +10944,22 @@
                   </a:outerShdw>
                 </a:effectLst>
               </a:rPr>
-              <a:t>因为我们需要</a:t>
+              <a:t>定制的必然性</a:t>
+            </a:r>
+            <a:r>
+              <a:rPr lang="en-US" altLang="zh-CN" sz="4400" b="1">
+                <a:solidFill>
+                  <a:schemeClr val="tx1"/>
+                </a:solidFill>
+                <a:effectLst>
+                  <a:outerShdw blurRad="38100" dist="19050" dir="2700000" algn="tl" rotWithShape="0">
+                    <a:schemeClr val="dk1">
+                      <a:alpha val="40000"/>
+                    </a:schemeClr>
+                  </a:outerShdw>
+                </a:effectLst>
+              </a:rPr>
+              <a:t>-&gt;</a:t>
             </a:r>
             <a:r>
               <a:rPr lang="zh-CN" altLang="zh-CN" sz="4400" b="1">
@@ -9886,7 +10974,22 @@
                   </a:outerShdw>
                 </a:effectLst>
               </a:rPr>
-              <a:t>控制</a:t>
+              <a:t>控制的复杂</a:t>
+            </a:r>
+            <a:r>
+              <a:rPr lang="zh-CN" altLang="zh-CN" sz="4400" b="1">
+                <a:solidFill>
+                  <a:srgbClr val="FF0000"/>
+                </a:solidFill>
+                <a:effectLst>
+                  <a:outerShdw blurRad="38100" dist="19050" dir="2700000" algn="tl" rotWithShape="0">
+                    <a:schemeClr val="dk1">
+                      <a:alpha val="40000"/>
+                    </a:schemeClr>
+                  </a:outerShdw>
+                </a:effectLst>
+              </a:rPr>
+              <a:t>性</a:t>
             </a:r>
             <a:endParaRPr lang="zh-CN" altLang="zh-CN" sz="4400" b="1">
               <a:solidFill>
@@ -9989,7 +11092,6 @@
             </a:r>
             <a:r>
               <a:rPr lang="zh-CN" altLang="zh-CN" sz="4800" b="1">
-                <a:ln/>
                 <a:solidFill>
                   <a:schemeClr val="tx1"/>
                 </a:solidFill>
@@ -10086,7 +11188,7 @@
         </p:nvSpPr>
         <p:spPr>
           <a:xfrm>
-            <a:off x="4156393" y="4442460"/>
+            <a:off x="4412933" y="4408170"/>
             <a:ext cx="3396615" cy="645160"/>
           </a:xfrm>
           <a:prstGeom prst="rect">
@@ -10105,7 +11207,6 @@
             <a:pPr algn="ctr"/>
             <a:r>
               <a:rPr lang="zh-CN" altLang="en-US" sz="3600" b="1">
-                <a:ln/>
                 <a:solidFill>
                   <a:schemeClr val="tx1"/>
                 </a:solidFill>
@@ -10120,7 +11221,6 @@
               <a:t>系统间的耦合性</a:t>
             </a:r>
             <a:endParaRPr lang="zh-CN" altLang="en-US" sz="3600" b="1">
-              <a:ln/>
               <a:solidFill>
                 <a:schemeClr val="tx1"/>
               </a:solidFill>
@@ -10143,7 +11243,7 @@
         </p:nvSpPr>
         <p:spPr>
           <a:xfrm>
-            <a:off x="4156393" y="5272405"/>
+            <a:off x="3980498" y="5272405"/>
             <a:ext cx="4314825" cy="645160"/>
           </a:xfrm>
           <a:prstGeom prst="rect">
